--- a/docs/diagrams/UndoRedoSequenceDiagram.pptx
+++ b/docs/diagrams/UndoRedoSequenceDiagram.pptx
@@ -1,14 +1,14 @@
 
 <file path=ppt/presentation.xml><?xml version="1.0" encoding="utf-8"?>
-<p:presentation xmlns:a="http://schemas.openxmlformats.org/drawingml/2006/main" xmlns:r="http://schemas.openxmlformats.org/officeDocument/2006/relationships" xmlns:p="http://schemas.openxmlformats.org/presentationml/2006/main" saveSubsetFonts="1">
+<p:presentation xmlns:a="http://schemas.openxmlformats.org/drawingml/2006/main" xmlns:r="http://schemas.openxmlformats.org/officeDocument/2006/relationships" xmlns:p="http://schemas.openxmlformats.org/presentationml/2006/main">
   <p:sldMasterIdLst>
     <p:sldMasterId id="2147483648" r:id="rId1"/>
   </p:sldMasterIdLst>
   <p:notesMasterIdLst>
-    <p:notesMasterId r:id="rId3"/>
+    <p:notesMasterId r:id="rId4"/>
   </p:notesMasterIdLst>
   <p:sldIdLst>
-    <p:sldId id="267" r:id="rId2"/>
+    <p:sldId id="267" r:id="rId3"/>
   </p:sldIdLst>
   <p:sldSz cx="9144000" cy="6858000" type="screen4x3"/>
   <p:notesSz cx="6858000" cy="9144000"/>
@@ -107,27 +107,7 @@
       </a:defRPr>
     </a:lvl9pPr>
   </p:defaultTextStyle>
-  <p:extLst>
-    <p:ext uri="{EFAFB233-063F-42B5-8137-9DF3F51BA10A}">
-      <p15:sldGuideLst xmlns:p15="http://schemas.microsoft.com/office/powerpoint/2012/main">
-        <p15:guide id="1" orient="horz" pos="1488">
-          <p15:clr>
-            <a:srgbClr val="A4A3A4"/>
-          </p15:clr>
-        </p15:guide>
-        <p15:guide id="2" pos="2880">
-          <p15:clr>
-            <a:srgbClr val="A4A3A4"/>
-          </p15:clr>
-        </p15:guide>
-      </p15:sldGuideLst>
-    </p:ext>
-  </p:extLst>
 </p:presentation>
-</file>
-
-<file path=ppt/revisionInfo.xml><?xml version="1.0" encoding="utf-8"?>
-<p1510:revInfo xmlns:a="http://schemas.openxmlformats.org/drawingml/2006/main" xmlns:r="http://schemas.openxmlformats.org/officeDocument/2006/relationships" xmlns:p1510="http://schemas.microsoft.com/office/powerpoint/2015/10/main"/>
 </file>
 
 <file path=ppt/notesMasters/notesMaster1.xml><?xml version="1.0" encoding="utf-8"?>
@@ -212,7 +192,6 @@
           <a:p>
             <a:fld id="{F5CC4B3F-88C1-4FFA-B1B6-F41C21DC6924}" type="datetimeFigureOut">
               <a:rPr lang="en-US" smtClean="0"/>
-              <a:t>7/6/2018</a:t>
             </a:fld>
             <a:endParaRPr lang="en-US"/>
           </a:p>
@@ -279,6 +258,7 @@
               <a:rPr lang="en-US"/>
               <a:t>Click to edit Master text styles</a:t>
             </a:r>
+            <a:endParaRPr lang="en-US"/>
           </a:p>
           <a:p>
             <a:pPr lvl="1"/>
@@ -286,6 +266,7 @@
               <a:rPr lang="en-US"/>
               <a:t>Second level</a:t>
             </a:r>
+            <a:endParaRPr lang="en-US"/>
           </a:p>
           <a:p>
             <a:pPr lvl="2"/>
@@ -293,6 +274,7 @@
               <a:rPr lang="en-US"/>
               <a:t>Third level</a:t>
             </a:r>
+            <a:endParaRPr lang="en-US"/>
           </a:p>
           <a:p>
             <a:pPr lvl="3"/>
@@ -300,6 +282,7 @@
               <a:rPr lang="en-US"/>
               <a:t>Fourth level</a:t>
             </a:r>
+            <a:endParaRPr lang="en-US"/>
           </a:p>
           <a:p>
             <a:pPr lvl="4"/>
@@ -307,6 +290,7 @@
               <a:rPr lang="en-US"/>
               <a:t>Fifth level</a:t>
             </a:r>
+            <a:endParaRPr lang="en-US"/>
           </a:p>
         </p:txBody>
       </p:sp>
@@ -370,18 +354,12 @@
           <a:p>
             <a:fld id="{5A7AB025-77E3-4BD1-A2FD-B3183DBA47A3}" type="slidenum">
               <a:rPr lang="en-US" smtClean="0"/>
-              <a:t>‹#›</a:t>
             </a:fld>
             <a:endParaRPr lang="en-US"/>
           </a:p>
         </p:txBody>
       </p:sp>
     </p:spTree>
-    <p:extLst>
-      <p:ext uri="{BB962C8B-B14F-4D97-AF65-F5344CB8AC3E}">
-        <p14:creationId xmlns:p14="http://schemas.microsoft.com/office/powerpoint/2010/main" val="2023976206"/>
-      </p:ext>
-    </p:extLst>
   </p:cSld>
   <p:clrMap bg1="lt1" tx1="dk1" bg2="lt2" tx2="dk2" accent1="accent1" accent2="accent2" accent3="accent3" accent4="accent4" accent5="accent5" accent6="accent6" hlink="hlink" folHlink="folHlink"/>
   <p:notesStyle>
@@ -520,6 +498,7 @@
               <a:rPr lang="en-US"/>
               <a:t>Click to edit Master title style</a:t>
             </a:r>
+            <a:endParaRPr lang="en-US"/>
           </a:p>
         </p:txBody>
       </p:sp>
@@ -638,6 +617,7 @@
               <a:rPr lang="en-US"/>
               <a:t>Click to edit Master subtitle style</a:t>
             </a:r>
+            <a:endParaRPr lang="en-US"/>
           </a:p>
         </p:txBody>
       </p:sp>
@@ -658,7 +638,6 @@
           <a:p>
             <a:fld id="{78C97017-6FC3-485B-9764-EAC9E56C1D49}" type="datetimeFigureOut">
               <a:rPr lang="en-US" smtClean="0"/>
-              <a:t>7/6/2018</a:t>
             </a:fld>
             <a:endParaRPr lang="en-US"/>
           </a:p>
@@ -700,18 +679,12 @@
           <a:p>
             <a:fld id="{FB34683C-161B-4520-BF45-B179E228CF2A}" type="slidenum">
               <a:rPr lang="en-US" smtClean="0"/>
-              <a:t>‹#›</a:t>
             </a:fld>
             <a:endParaRPr lang="en-US"/>
           </a:p>
         </p:txBody>
       </p:sp>
     </p:spTree>
-    <p:extLst>
-      <p:ext uri="{BB962C8B-B14F-4D97-AF65-F5344CB8AC3E}">
-        <p14:creationId xmlns:p14="http://schemas.microsoft.com/office/powerpoint/2010/main" val="3246593157"/>
-      </p:ext>
-    </p:extLst>
   </p:cSld>
   <p:clrMapOvr>
     <a:masterClrMapping/>
@@ -755,6 +728,7 @@
               <a:rPr lang="en-US"/>
               <a:t>Click to edit Master title style</a:t>
             </a:r>
+            <a:endParaRPr lang="en-US"/>
           </a:p>
         </p:txBody>
       </p:sp>
@@ -778,6 +752,7 @@
               <a:rPr lang="en-US"/>
               <a:t>Click to edit Master text styles</a:t>
             </a:r>
+            <a:endParaRPr lang="en-US"/>
           </a:p>
           <a:p>
             <a:pPr lvl="1"/>
@@ -785,6 +760,7 @@
               <a:rPr lang="en-US"/>
               <a:t>Second level</a:t>
             </a:r>
+            <a:endParaRPr lang="en-US"/>
           </a:p>
           <a:p>
             <a:pPr lvl="2"/>
@@ -792,6 +768,7 @@
               <a:rPr lang="en-US"/>
               <a:t>Third level</a:t>
             </a:r>
+            <a:endParaRPr lang="en-US"/>
           </a:p>
           <a:p>
             <a:pPr lvl="3"/>
@@ -799,6 +776,7 @@
               <a:rPr lang="en-US"/>
               <a:t>Fourth level</a:t>
             </a:r>
+            <a:endParaRPr lang="en-US"/>
           </a:p>
           <a:p>
             <a:pPr lvl="4"/>
@@ -806,6 +784,7 @@
               <a:rPr lang="en-US"/>
               <a:t>Fifth level</a:t>
             </a:r>
+            <a:endParaRPr lang="en-US"/>
           </a:p>
         </p:txBody>
       </p:sp>
@@ -826,7 +805,6 @@
           <a:p>
             <a:fld id="{78C97017-6FC3-485B-9764-EAC9E56C1D49}" type="datetimeFigureOut">
               <a:rPr lang="en-US" smtClean="0"/>
-              <a:t>7/6/2018</a:t>
             </a:fld>
             <a:endParaRPr lang="en-US"/>
           </a:p>
@@ -868,18 +846,12 @@
           <a:p>
             <a:fld id="{FB34683C-161B-4520-BF45-B179E228CF2A}" type="slidenum">
               <a:rPr lang="en-US" smtClean="0"/>
-              <a:t>‹#›</a:t>
             </a:fld>
             <a:endParaRPr lang="en-US"/>
           </a:p>
         </p:txBody>
       </p:sp>
     </p:spTree>
-    <p:extLst>
-      <p:ext uri="{BB962C8B-B14F-4D97-AF65-F5344CB8AC3E}">
-        <p14:creationId xmlns:p14="http://schemas.microsoft.com/office/powerpoint/2010/main" val="2707025021"/>
-      </p:ext>
-    </p:extLst>
   </p:cSld>
   <p:clrMapOvr>
     <a:masterClrMapping/>
@@ -928,6 +900,7 @@
               <a:rPr lang="en-US"/>
               <a:t>Click to edit Master title style</a:t>
             </a:r>
+            <a:endParaRPr lang="en-US"/>
           </a:p>
         </p:txBody>
       </p:sp>
@@ -956,6 +929,7 @@
               <a:rPr lang="en-US"/>
               <a:t>Click to edit Master text styles</a:t>
             </a:r>
+            <a:endParaRPr lang="en-US"/>
           </a:p>
           <a:p>
             <a:pPr lvl="1"/>
@@ -963,6 +937,7 @@
               <a:rPr lang="en-US"/>
               <a:t>Second level</a:t>
             </a:r>
+            <a:endParaRPr lang="en-US"/>
           </a:p>
           <a:p>
             <a:pPr lvl="2"/>
@@ -970,6 +945,7 @@
               <a:rPr lang="en-US"/>
               <a:t>Third level</a:t>
             </a:r>
+            <a:endParaRPr lang="en-US"/>
           </a:p>
           <a:p>
             <a:pPr lvl="3"/>
@@ -977,6 +953,7 @@
               <a:rPr lang="en-US"/>
               <a:t>Fourth level</a:t>
             </a:r>
+            <a:endParaRPr lang="en-US"/>
           </a:p>
           <a:p>
             <a:pPr lvl="4"/>
@@ -984,6 +961,7 @@
               <a:rPr lang="en-US"/>
               <a:t>Fifth level</a:t>
             </a:r>
+            <a:endParaRPr lang="en-US"/>
           </a:p>
         </p:txBody>
       </p:sp>
@@ -1004,7 +982,6 @@
           <a:p>
             <a:fld id="{78C97017-6FC3-485B-9764-EAC9E56C1D49}" type="datetimeFigureOut">
               <a:rPr lang="en-US" smtClean="0"/>
-              <a:t>7/6/2018</a:t>
             </a:fld>
             <a:endParaRPr lang="en-US"/>
           </a:p>
@@ -1046,18 +1023,12 @@
           <a:p>
             <a:fld id="{FB34683C-161B-4520-BF45-B179E228CF2A}" type="slidenum">
               <a:rPr lang="en-US" smtClean="0"/>
-              <a:t>‹#›</a:t>
             </a:fld>
             <a:endParaRPr lang="en-US"/>
           </a:p>
         </p:txBody>
       </p:sp>
     </p:spTree>
-    <p:extLst>
-      <p:ext uri="{BB962C8B-B14F-4D97-AF65-F5344CB8AC3E}">
-        <p14:creationId xmlns:p14="http://schemas.microsoft.com/office/powerpoint/2010/main" val="568378986"/>
-      </p:ext>
-    </p:extLst>
   </p:cSld>
   <p:clrMapOvr>
     <a:masterClrMapping/>
@@ -1101,6 +1072,7 @@
               <a:rPr lang="en-US"/>
               <a:t>Click to edit Master title style</a:t>
             </a:r>
+            <a:endParaRPr lang="en-US"/>
           </a:p>
         </p:txBody>
       </p:sp>
@@ -1124,6 +1096,7 @@
               <a:rPr lang="en-US"/>
               <a:t>Click to edit Master text styles</a:t>
             </a:r>
+            <a:endParaRPr lang="en-US"/>
           </a:p>
           <a:p>
             <a:pPr lvl="1"/>
@@ -1131,6 +1104,7 @@
               <a:rPr lang="en-US"/>
               <a:t>Second level</a:t>
             </a:r>
+            <a:endParaRPr lang="en-US"/>
           </a:p>
           <a:p>
             <a:pPr lvl="2"/>
@@ -1138,6 +1112,7 @@
               <a:rPr lang="en-US"/>
               <a:t>Third level</a:t>
             </a:r>
+            <a:endParaRPr lang="en-US"/>
           </a:p>
           <a:p>
             <a:pPr lvl="3"/>
@@ -1145,6 +1120,7 @@
               <a:rPr lang="en-US"/>
               <a:t>Fourth level</a:t>
             </a:r>
+            <a:endParaRPr lang="en-US"/>
           </a:p>
           <a:p>
             <a:pPr lvl="4"/>
@@ -1152,6 +1128,7 @@
               <a:rPr lang="en-US"/>
               <a:t>Fifth level</a:t>
             </a:r>
+            <a:endParaRPr lang="en-US"/>
           </a:p>
         </p:txBody>
       </p:sp>
@@ -1172,7 +1149,6 @@
           <a:p>
             <a:fld id="{78C97017-6FC3-485B-9764-EAC9E56C1D49}" type="datetimeFigureOut">
               <a:rPr lang="en-US" smtClean="0"/>
-              <a:t>7/6/2018</a:t>
             </a:fld>
             <a:endParaRPr lang="en-US"/>
           </a:p>
@@ -1214,18 +1190,12 @@
           <a:p>
             <a:fld id="{FB34683C-161B-4520-BF45-B179E228CF2A}" type="slidenum">
               <a:rPr lang="en-US" smtClean="0"/>
-              <a:t>‹#›</a:t>
             </a:fld>
             <a:endParaRPr lang="en-US"/>
           </a:p>
         </p:txBody>
       </p:sp>
     </p:spTree>
-    <p:extLst>
-      <p:ext uri="{BB962C8B-B14F-4D97-AF65-F5344CB8AC3E}">
-        <p14:creationId xmlns:p14="http://schemas.microsoft.com/office/powerpoint/2010/main" val="266658052"/>
-      </p:ext>
-    </p:extLst>
   </p:cSld>
   <p:clrMapOvr>
     <a:masterClrMapping/>
@@ -1278,6 +1248,7 @@
               <a:rPr lang="en-US"/>
               <a:t>Click to edit Master title style</a:t>
             </a:r>
+            <a:endParaRPr lang="en-US"/>
           </a:p>
         </p:txBody>
       </p:sp>
@@ -1397,6 +1368,7 @@
               <a:rPr lang="en-US"/>
               <a:t>Click to edit Master text styles</a:t>
             </a:r>
+            <a:endParaRPr lang="en-US"/>
           </a:p>
         </p:txBody>
       </p:sp>
@@ -1417,7 +1389,6 @@
           <a:p>
             <a:fld id="{78C97017-6FC3-485B-9764-EAC9E56C1D49}" type="datetimeFigureOut">
               <a:rPr lang="en-US" smtClean="0"/>
-              <a:t>7/6/2018</a:t>
             </a:fld>
             <a:endParaRPr lang="en-US"/>
           </a:p>
@@ -1459,18 +1430,12 @@
           <a:p>
             <a:fld id="{FB34683C-161B-4520-BF45-B179E228CF2A}" type="slidenum">
               <a:rPr lang="en-US" smtClean="0"/>
-              <a:t>‹#›</a:t>
             </a:fld>
             <a:endParaRPr lang="en-US"/>
           </a:p>
         </p:txBody>
       </p:sp>
     </p:spTree>
-    <p:extLst>
-      <p:ext uri="{BB962C8B-B14F-4D97-AF65-F5344CB8AC3E}">
-        <p14:creationId xmlns:p14="http://schemas.microsoft.com/office/powerpoint/2010/main" val="474686344"/>
-      </p:ext>
-    </p:extLst>
   </p:cSld>
   <p:clrMapOvr>
     <a:masterClrMapping/>
@@ -1514,6 +1479,7 @@
               <a:rPr lang="en-US"/>
               <a:t>Click to edit Master title style</a:t>
             </a:r>
+            <a:endParaRPr lang="en-US"/>
           </a:p>
         </p:txBody>
       </p:sp>
@@ -1570,6 +1536,7 @@
               <a:rPr lang="en-US"/>
               <a:t>Click to edit Master text styles</a:t>
             </a:r>
+            <a:endParaRPr lang="en-US"/>
           </a:p>
           <a:p>
             <a:pPr lvl="1"/>
@@ -1577,6 +1544,7 @@
               <a:rPr lang="en-US"/>
               <a:t>Second level</a:t>
             </a:r>
+            <a:endParaRPr lang="en-US"/>
           </a:p>
           <a:p>
             <a:pPr lvl="2"/>
@@ -1584,6 +1552,7 @@
               <a:rPr lang="en-US"/>
               <a:t>Third level</a:t>
             </a:r>
+            <a:endParaRPr lang="en-US"/>
           </a:p>
           <a:p>
             <a:pPr lvl="3"/>
@@ -1591,6 +1560,7 @@
               <a:rPr lang="en-US"/>
               <a:t>Fourth level</a:t>
             </a:r>
+            <a:endParaRPr lang="en-US"/>
           </a:p>
           <a:p>
             <a:pPr lvl="4"/>
@@ -1598,6 +1568,7 @@
               <a:rPr lang="en-US"/>
               <a:t>Fifth level</a:t>
             </a:r>
+            <a:endParaRPr lang="en-US"/>
           </a:p>
         </p:txBody>
       </p:sp>
@@ -1654,6 +1625,7 @@
               <a:rPr lang="en-US"/>
               <a:t>Click to edit Master text styles</a:t>
             </a:r>
+            <a:endParaRPr lang="en-US"/>
           </a:p>
           <a:p>
             <a:pPr lvl="1"/>
@@ -1661,6 +1633,7 @@
               <a:rPr lang="en-US"/>
               <a:t>Second level</a:t>
             </a:r>
+            <a:endParaRPr lang="en-US"/>
           </a:p>
           <a:p>
             <a:pPr lvl="2"/>
@@ -1668,6 +1641,7 @@
               <a:rPr lang="en-US"/>
               <a:t>Third level</a:t>
             </a:r>
+            <a:endParaRPr lang="en-US"/>
           </a:p>
           <a:p>
             <a:pPr lvl="3"/>
@@ -1675,6 +1649,7 @@
               <a:rPr lang="en-US"/>
               <a:t>Fourth level</a:t>
             </a:r>
+            <a:endParaRPr lang="en-US"/>
           </a:p>
           <a:p>
             <a:pPr lvl="4"/>
@@ -1682,6 +1657,7 @@
               <a:rPr lang="en-US"/>
               <a:t>Fifth level</a:t>
             </a:r>
+            <a:endParaRPr lang="en-US"/>
           </a:p>
         </p:txBody>
       </p:sp>
@@ -1702,7 +1678,6 @@
           <a:p>
             <a:fld id="{78C97017-6FC3-485B-9764-EAC9E56C1D49}" type="datetimeFigureOut">
               <a:rPr lang="en-US" smtClean="0"/>
-              <a:t>7/6/2018</a:t>
             </a:fld>
             <a:endParaRPr lang="en-US"/>
           </a:p>
@@ -1744,18 +1719,12 @@
           <a:p>
             <a:fld id="{FB34683C-161B-4520-BF45-B179E228CF2A}" type="slidenum">
               <a:rPr lang="en-US" smtClean="0"/>
-              <a:t>‹#›</a:t>
             </a:fld>
             <a:endParaRPr lang="en-US"/>
           </a:p>
         </p:txBody>
       </p:sp>
     </p:spTree>
-    <p:extLst>
-      <p:ext uri="{BB962C8B-B14F-4D97-AF65-F5344CB8AC3E}">
-        <p14:creationId xmlns:p14="http://schemas.microsoft.com/office/powerpoint/2010/main" val="562293251"/>
-      </p:ext>
-    </p:extLst>
   </p:cSld>
   <p:clrMapOvr>
     <a:masterClrMapping/>
@@ -1803,6 +1772,7 @@
               <a:rPr lang="en-US"/>
               <a:t>Click to edit Master title style</a:t>
             </a:r>
+            <a:endParaRPr lang="en-US"/>
           </a:p>
         </p:txBody>
       </p:sp>
@@ -1868,6 +1838,7 @@
               <a:rPr lang="en-US"/>
               <a:t>Click to edit Master text styles</a:t>
             </a:r>
+            <a:endParaRPr lang="en-US"/>
           </a:p>
         </p:txBody>
       </p:sp>
@@ -1924,6 +1895,7 @@
               <a:rPr lang="en-US"/>
               <a:t>Click to edit Master text styles</a:t>
             </a:r>
+            <a:endParaRPr lang="en-US"/>
           </a:p>
           <a:p>
             <a:pPr lvl="1"/>
@@ -1931,6 +1903,7 @@
               <a:rPr lang="en-US"/>
               <a:t>Second level</a:t>
             </a:r>
+            <a:endParaRPr lang="en-US"/>
           </a:p>
           <a:p>
             <a:pPr lvl="2"/>
@@ -1938,6 +1911,7 @@
               <a:rPr lang="en-US"/>
               <a:t>Third level</a:t>
             </a:r>
+            <a:endParaRPr lang="en-US"/>
           </a:p>
           <a:p>
             <a:pPr lvl="3"/>
@@ -1945,6 +1919,7 @@
               <a:rPr lang="en-US"/>
               <a:t>Fourth level</a:t>
             </a:r>
+            <a:endParaRPr lang="en-US"/>
           </a:p>
           <a:p>
             <a:pPr lvl="4"/>
@@ -1952,6 +1927,7 @@
               <a:rPr lang="en-US"/>
               <a:t>Fifth level</a:t>
             </a:r>
+            <a:endParaRPr lang="en-US"/>
           </a:p>
         </p:txBody>
       </p:sp>
@@ -2017,6 +1993,7 @@
               <a:rPr lang="en-US"/>
               <a:t>Click to edit Master text styles</a:t>
             </a:r>
+            <a:endParaRPr lang="en-US"/>
           </a:p>
         </p:txBody>
       </p:sp>
@@ -2073,6 +2050,7 @@
               <a:rPr lang="en-US"/>
               <a:t>Click to edit Master text styles</a:t>
             </a:r>
+            <a:endParaRPr lang="en-US"/>
           </a:p>
           <a:p>
             <a:pPr lvl="1"/>
@@ -2080,6 +2058,7 @@
               <a:rPr lang="en-US"/>
               <a:t>Second level</a:t>
             </a:r>
+            <a:endParaRPr lang="en-US"/>
           </a:p>
           <a:p>
             <a:pPr lvl="2"/>
@@ -2087,6 +2066,7 @@
               <a:rPr lang="en-US"/>
               <a:t>Third level</a:t>
             </a:r>
+            <a:endParaRPr lang="en-US"/>
           </a:p>
           <a:p>
             <a:pPr lvl="3"/>
@@ -2094,6 +2074,7 @@
               <a:rPr lang="en-US"/>
               <a:t>Fourth level</a:t>
             </a:r>
+            <a:endParaRPr lang="en-US"/>
           </a:p>
           <a:p>
             <a:pPr lvl="4"/>
@@ -2101,6 +2082,7 @@
               <a:rPr lang="en-US"/>
               <a:t>Fifth level</a:t>
             </a:r>
+            <a:endParaRPr lang="en-US"/>
           </a:p>
         </p:txBody>
       </p:sp>
@@ -2121,7 +2103,6 @@
           <a:p>
             <a:fld id="{78C97017-6FC3-485B-9764-EAC9E56C1D49}" type="datetimeFigureOut">
               <a:rPr lang="en-US" smtClean="0"/>
-              <a:t>7/6/2018</a:t>
             </a:fld>
             <a:endParaRPr lang="en-US"/>
           </a:p>
@@ -2163,18 +2144,12 @@
           <a:p>
             <a:fld id="{FB34683C-161B-4520-BF45-B179E228CF2A}" type="slidenum">
               <a:rPr lang="en-US" smtClean="0"/>
-              <a:t>‹#›</a:t>
             </a:fld>
             <a:endParaRPr lang="en-US"/>
           </a:p>
         </p:txBody>
       </p:sp>
     </p:spTree>
-    <p:extLst>
-      <p:ext uri="{BB962C8B-B14F-4D97-AF65-F5344CB8AC3E}">
-        <p14:creationId xmlns:p14="http://schemas.microsoft.com/office/powerpoint/2010/main" val="1126424250"/>
-      </p:ext>
-    </p:extLst>
   </p:cSld>
   <p:clrMapOvr>
     <a:masterClrMapping/>
@@ -2218,6 +2193,7 @@
               <a:rPr lang="en-US"/>
               <a:t>Click to edit Master title style</a:t>
             </a:r>
+            <a:endParaRPr lang="en-US"/>
           </a:p>
         </p:txBody>
       </p:sp>
@@ -2238,7 +2214,6 @@
           <a:p>
             <a:fld id="{78C97017-6FC3-485B-9764-EAC9E56C1D49}" type="datetimeFigureOut">
               <a:rPr lang="en-US" smtClean="0"/>
-              <a:t>7/6/2018</a:t>
             </a:fld>
             <a:endParaRPr lang="en-US"/>
           </a:p>
@@ -2280,18 +2255,12 @@
           <a:p>
             <a:fld id="{FB34683C-161B-4520-BF45-B179E228CF2A}" type="slidenum">
               <a:rPr lang="en-US" smtClean="0"/>
-              <a:t>‹#›</a:t>
             </a:fld>
             <a:endParaRPr lang="en-US"/>
           </a:p>
         </p:txBody>
       </p:sp>
     </p:spTree>
-    <p:extLst>
-      <p:ext uri="{BB962C8B-B14F-4D97-AF65-F5344CB8AC3E}">
-        <p14:creationId xmlns:p14="http://schemas.microsoft.com/office/powerpoint/2010/main" val="4159724230"/>
-      </p:ext>
-    </p:extLst>
   </p:cSld>
   <p:clrMapOvr>
     <a:masterClrMapping/>
@@ -2333,7 +2302,6 @@
           <a:p>
             <a:fld id="{78C97017-6FC3-485B-9764-EAC9E56C1D49}" type="datetimeFigureOut">
               <a:rPr lang="en-US" smtClean="0"/>
-              <a:t>7/6/2018</a:t>
             </a:fld>
             <a:endParaRPr lang="en-US"/>
           </a:p>
@@ -2375,18 +2343,12 @@
           <a:p>
             <a:fld id="{FB34683C-161B-4520-BF45-B179E228CF2A}" type="slidenum">
               <a:rPr lang="en-US" smtClean="0"/>
-              <a:t>‹#›</a:t>
             </a:fld>
             <a:endParaRPr lang="en-US"/>
           </a:p>
         </p:txBody>
       </p:sp>
     </p:spTree>
-    <p:extLst>
-      <p:ext uri="{BB962C8B-B14F-4D97-AF65-F5344CB8AC3E}">
-        <p14:creationId xmlns:p14="http://schemas.microsoft.com/office/powerpoint/2010/main" val="1793928710"/>
-      </p:ext>
-    </p:extLst>
   </p:cSld>
   <p:clrMapOvr>
     <a:masterClrMapping/>
@@ -2439,6 +2401,7 @@
               <a:rPr lang="en-US"/>
               <a:t>Click to edit Master title style</a:t>
             </a:r>
+            <a:endParaRPr lang="en-US"/>
           </a:p>
         </p:txBody>
       </p:sp>
@@ -2495,6 +2458,7 @@
               <a:rPr lang="en-US"/>
               <a:t>Click to edit Master text styles</a:t>
             </a:r>
+            <a:endParaRPr lang="en-US"/>
           </a:p>
           <a:p>
             <a:pPr lvl="1"/>
@@ -2502,6 +2466,7 @@
               <a:rPr lang="en-US"/>
               <a:t>Second level</a:t>
             </a:r>
+            <a:endParaRPr lang="en-US"/>
           </a:p>
           <a:p>
             <a:pPr lvl="2"/>
@@ -2509,6 +2474,7 @@
               <a:rPr lang="en-US"/>
               <a:t>Third level</a:t>
             </a:r>
+            <a:endParaRPr lang="en-US"/>
           </a:p>
           <a:p>
             <a:pPr lvl="3"/>
@@ -2516,6 +2482,7 @@
               <a:rPr lang="en-US"/>
               <a:t>Fourth level</a:t>
             </a:r>
+            <a:endParaRPr lang="en-US"/>
           </a:p>
           <a:p>
             <a:pPr lvl="4"/>
@@ -2523,6 +2490,7 @@
               <a:rPr lang="en-US"/>
               <a:t>Fifth level</a:t>
             </a:r>
+            <a:endParaRPr lang="en-US"/>
           </a:p>
         </p:txBody>
       </p:sp>
@@ -2588,6 +2556,7 @@
               <a:rPr lang="en-US"/>
               <a:t>Click to edit Master text styles</a:t>
             </a:r>
+            <a:endParaRPr lang="en-US"/>
           </a:p>
         </p:txBody>
       </p:sp>
@@ -2608,7 +2577,6 @@
           <a:p>
             <a:fld id="{78C97017-6FC3-485B-9764-EAC9E56C1D49}" type="datetimeFigureOut">
               <a:rPr lang="en-US" smtClean="0"/>
-              <a:t>7/6/2018</a:t>
             </a:fld>
             <a:endParaRPr lang="en-US"/>
           </a:p>
@@ -2650,18 +2618,12 @@
           <a:p>
             <a:fld id="{FB34683C-161B-4520-BF45-B179E228CF2A}" type="slidenum">
               <a:rPr lang="en-US" smtClean="0"/>
-              <a:t>‹#›</a:t>
             </a:fld>
             <a:endParaRPr lang="en-US"/>
           </a:p>
         </p:txBody>
       </p:sp>
     </p:spTree>
-    <p:extLst>
-      <p:ext uri="{BB962C8B-B14F-4D97-AF65-F5344CB8AC3E}">
-        <p14:creationId xmlns:p14="http://schemas.microsoft.com/office/powerpoint/2010/main" val="2076802089"/>
-      </p:ext>
-    </p:extLst>
   </p:cSld>
   <p:clrMapOvr>
     <a:masterClrMapping/>
@@ -2714,6 +2676,7 @@
               <a:rPr lang="en-US"/>
               <a:t>Click to edit Master title style</a:t>
             </a:r>
+            <a:endParaRPr lang="en-US"/>
           </a:p>
         </p:txBody>
       </p:sp>
@@ -2840,6 +2803,7 @@
               <a:rPr lang="en-US"/>
               <a:t>Click to edit Master text styles</a:t>
             </a:r>
+            <a:endParaRPr lang="en-US"/>
           </a:p>
         </p:txBody>
       </p:sp>
@@ -2860,7 +2824,6 @@
           <a:p>
             <a:fld id="{78C97017-6FC3-485B-9764-EAC9E56C1D49}" type="datetimeFigureOut">
               <a:rPr lang="en-US" smtClean="0"/>
-              <a:t>7/6/2018</a:t>
             </a:fld>
             <a:endParaRPr lang="en-US"/>
           </a:p>
@@ -2902,18 +2865,12 @@
           <a:p>
             <a:fld id="{FB34683C-161B-4520-BF45-B179E228CF2A}" type="slidenum">
               <a:rPr lang="en-US" smtClean="0"/>
-              <a:t>‹#›</a:t>
             </a:fld>
             <a:endParaRPr lang="en-US"/>
           </a:p>
         </p:txBody>
       </p:sp>
     </p:spTree>
-    <p:extLst>
-      <p:ext uri="{BB962C8B-B14F-4D97-AF65-F5344CB8AC3E}">
-        <p14:creationId xmlns:p14="http://schemas.microsoft.com/office/powerpoint/2010/main" val="201835938"/>
-      </p:ext>
-    </p:extLst>
   </p:cSld>
   <p:clrMapOvr>
     <a:masterClrMapping/>
@@ -2972,6 +2929,7 @@
               <a:rPr lang="en-US"/>
               <a:t>Click to edit Master title style</a:t>
             </a:r>
+            <a:endParaRPr lang="en-US"/>
           </a:p>
         </p:txBody>
       </p:sp>
@@ -3005,6 +2963,7 @@
               <a:rPr lang="en-US"/>
               <a:t>Click to edit Master text styles</a:t>
             </a:r>
+            <a:endParaRPr lang="en-US"/>
           </a:p>
           <a:p>
             <a:pPr lvl="1"/>
@@ -3012,6 +2971,7 @@
               <a:rPr lang="en-US"/>
               <a:t>Second level</a:t>
             </a:r>
+            <a:endParaRPr lang="en-US"/>
           </a:p>
           <a:p>
             <a:pPr lvl="2"/>
@@ -3019,6 +2979,7 @@
               <a:rPr lang="en-US"/>
               <a:t>Third level</a:t>
             </a:r>
+            <a:endParaRPr lang="en-US"/>
           </a:p>
           <a:p>
             <a:pPr lvl="3"/>
@@ -3026,6 +2987,7 @@
               <a:rPr lang="en-US"/>
               <a:t>Fourth level</a:t>
             </a:r>
+            <a:endParaRPr lang="en-US"/>
           </a:p>
           <a:p>
             <a:pPr lvl="4"/>
@@ -3033,6 +2995,7 @@
               <a:rPr lang="en-US"/>
               <a:t>Fifth level</a:t>
             </a:r>
+            <a:endParaRPr lang="en-US"/>
           </a:p>
         </p:txBody>
       </p:sp>
@@ -3071,7 +3034,6 @@
           <a:p>
             <a:fld id="{78C97017-6FC3-485B-9764-EAC9E56C1D49}" type="datetimeFigureOut">
               <a:rPr lang="en-US" smtClean="0"/>
-              <a:t>7/6/2018</a:t>
             </a:fld>
             <a:endParaRPr lang="en-US"/>
           </a:p>
@@ -3149,18 +3111,12 @@
           <a:p>
             <a:fld id="{FB34683C-161B-4520-BF45-B179E228CF2A}" type="slidenum">
               <a:rPr lang="en-US" smtClean="0"/>
-              <a:t>‹#›</a:t>
             </a:fld>
             <a:endParaRPr lang="en-US"/>
           </a:p>
         </p:txBody>
       </p:sp>
     </p:spTree>
-    <p:extLst>
-      <p:ext uri="{BB962C8B-B14F-4D97-AF65-F5344CB8AC3E}">
-        <p14:creationId xmlns:p14="http://schemas.microsoft.com/office/powerpoint/2010/main" val="2341400630"/>
-      </p:ext>
-    </p:extLst>
   </p:cSld>
   <p:clrMap bg1="lt1" tx1="dk1" bg2="lt2" tx2="dk2" accent1="accent1" accent2="accent2" accent3="accent3" accent4="accent4" accent5="accent5" accent6="accent6" hlink="hlink" folHlink="folHlink"/>
   <p:sldLayoutIdLst>
@@ -3448,75 +3404,14 @@
       </p:grpSpPr>
       <p:sp>
         <p:nvSpPr>
-          <p:cNvPr id="56" name="Rectangle 65"/>
-          <p:cNvSpPr/>
-          <p:nvPr/>
-        </p:nvSpPr>
-        <p:spPr>
-          <a:xfrm>
-            <a:off x="6459374" y="118895"/>
-            <a:ext cx="3903825" cy="4400926"/>
-          </a:xfrm>
-          <a:prstGeom prst="roundRect">
-            <a:avLst>
-              <a:gd name="adj" fmla="val 3484"/>
-            </a:avLst>
-          </a:prstGeom>
-          <a:solidFill>
-            <a:schemeClr val="accent4">
-              <a:lumMod val="20000"/>
-              <a:lumOff val="80000"/>
-            </a:schemeClr>
-          </a:solidFill>
-          <a:ln w="19050">
-            <a:noFill/>
-          </a:ln>
-          <a:effectLst/>
-        </p:spPr>
-        <p:style>
-          <a:lnRef idx="1">
-            <a:schemeClr val="accent2"/>
-          </a:lnRef>
-          <a:fillRef idx="2">
-            <a:schemeClr val="accent2"/>
-          </a:fillRef>
-          <a:effectRef idx="1">
-            <a:schemeClr val="accent2"/>
-          </a:effectRef>
-          <a:fontRef idx="minor">
-            <a:schemeClr val="dk1"/>
-          </a:fontRef>
-        </p:style>
-        <p:txBody>
-          <a:bodyPr rtlCol="0" anchor="t"/>
-          <a:lstStyle/>
-          <a:p>
-            <a:r>
-              <a:rPr lang="en-US" sz="1200" b="1" dirty="0">
-                <a:solidFill>
-                  <a:srgbClr val="7030A0"/>
-                </a:solidFill>
-              </a:rPr>
-              <a:t>Model</a:t>
-            </a:r>
-            <a:endParaRPr lang="en-SG" sz="1200" b="1" dirty="0">
-              <a:solidFill>
-                <a:srgbClr val="7030A0"/>
-              </a:solidFill>
-            </a:endParaRPr>
-          </a:p>
-        </p:txBody>
-      </p:sp>
-      <p:sp>
-        <p:nvSpPr>
           <p:cNvPr id="81" name="Rectangle 65"/>
           <p:cNvSpPr/>
           <p:nvPr/>
         </p:nvSpPr>
         <p:spPr>
           <a:xfrm>
-            <a:off x="467813" y="163018"/>
-            <a:ext cx="5863964" cy="4343400"/>
+            <a:off x="476250" y="163195"/>
+            <a:ext cx="8125460" cy="4343400"/>
           </a:xfrm>
           <a:prstGeom prst="roundRect">
             <a:avLst>
@@ -3617,7 +3512,7 @@
                   <a:schemeClr val="bg1"/>
                 </a:solidFill>
               </a:rPr>
-              <a:t>:</a:t>
+              <a:t>:Logic</a:t>
             </a:r>
             <a:r>
               <a:rPr lang="en-US" sz="1600" dirty="0" err="1">
@@ -3625,7 +3520,7 @@
                   <a:schemeClr val="bg1"/>
                 </a:solidFill>
               </a:rPr>
-              <a:t>LogicManager</a:t>
+              <a:t>Manager</a:t>
             </a:r>
             <a:endParaRPr lang="en-SG" sz="1600" dirty="0">
               <a:solidFill>
@@ -3638,9 +3533,7 @@
       <p:cxnSp>
         <p:nvCxnSpPr>
           <p:cNvPr id="5" name="Straight Connector 4"/>
-          <p:cNvCxnSpPr>
-            <a:cxnSpLocks/>
-          </p:cNvCxnSpPr>
+          <p:cNvCxnSpPr/>
           <p:nvPr/>
         </p:nvCxnSpPr>
         <p:spPr>
@@ -3770,8 +3663,13 @@
                   <a:schemeClr val="bg1"/>
                 </a:solidFill>
               </a:rPr>
-              <a:t>:Address</a:t>
-            </a:r>
+              <a:t>:Workout</a:t>
+            </a:r>
+            <a:endParaRPr lang="en-US" sz="1600" dirty="0">
+              <a:solidFill>
+                <a:schemeClr val="bg1"/>
+              </a:solidFill>
+            </a:endParaRPr>
           </a:p>
           <a:p>
             <a:pPr algn="ctr"/>
@@ -3794,9 +3692,7 @@
       <p:cxnSp>
         <p:nvCxnSpPr>
           <p:cNvPr id="17" name="Straight Connector 16"/>
-          <p:cNvCxnSpPr>
-            <a:cxnSpLocks/>
-          </p:cNvCxnSpPr>
+          <p:cNvCxnSpPr/>
           <p:nvPr/>
         </p:nvCxnSpPr>
         <p:spPr>
@@ -3838,8 +3734,8 @@
         </p:nvSpPr>
         <p:spPr>
           <a:xfrm>
-            <a:off x="3978580" y="1365810"/>
-            <a:ext cx="154408" cy="767790"/>
+            <a:off x="3978275" y="1365885"/>
+            <a:ext cx="154305" cy="969010"/>
           </a:xfrm>
           <a:prstGeom prst="rect">
             <a:avLst/>
@@ -3885,16 +3781,14 @@
         <p:nvCxnSpPr>
           <p:cNvPr id="20" name="Straight Connector 19"/>
           <p:cNvCxnSpPr>
-            <a:cxnSpLocks/>
-            <a:stCxn id="21" idx="0"/>
-            <a:endCxn id="4" idx="0"/>
+            <a:endCxn id="4" idx="2"/>
           </p:cNvCxnSpPr>
           <p:nvPr/>
         </p:nvCxnSpPr>
         <p:spPr>
           <a:xfrm>
-            <a:off x="5602082" y="1613633"/>
-            <a:ext cx="0" cy="2644578"/>
+            <a:off x="5575935" y="1519555"/>
+            <a:ext cx="17780" cy="1132205"/>
           </a:xfrm>
           <a:prstGeom prst="line">
             <a:avLst/>
@@ -4014,7 +3908,7 @@
         <p:spPr>
           <a:xfrm>
             <a:off x="38100" y="990600"/>
-            <a:ext cx="1424846" cy="215444"/>
+            <a:ext cx="1369060" cy="610870"/>
           </a:xfrm>
           <a:prstGeom prst="rect">
             <a:avLst/>
@@ -4029,13 +3923,66 @@
           <a:p>
             <a:pPr algn="r"/>
             <a:r>
-              <a:rPr lang="en-US" sz="1400" dirty="0">
+              <a:rPr lang="en-US" sz="1000" dirty="0">
                 <a:solidFill>
                   <a:srgbClr val="0070C0"/>
                 </a:solidFill>
               </a:rPr>
-              <a:t>execute(“undo”)</a:t>
-            </a:r>
+              <a:t>execute(“filter</a:t>
+            </a:r>
+            <a:endParaRPr lang="en-US" sz="1000" dirty="0">
+              <a:solidFill>
+                <a:srgbClr val="0070C0"/>
+              </a:solidFill>
+            </a:endParaRPr>
+          </a:p>
+          <a:p>
+            <a:pPr algn="r"/>
+            <a:r>
+              <a:rPr lang="en-US" sz="1000" dirty="0">
+                <a:solidFill>
+                  <a:srgbClr val="0070C0"/>
+                </a:solidFill>
+              </a:rPr>
+              <a:t>type/strength </a:t>
+            </a:r>
+            <a:endParaRPr lang="en-US" sz="1000" dirty="0">
+              <a:solidFill>
+                <a:srgbClr val="0070C0"/>
+              </a:solidFill>
+            </a:endParaRPr>
+          </a:p>
+          <a:p>
+            <a:pPr algn="r"/>
+            <a:r>
+              <a:rPr lang="en-US" sz="1000" dirty="0">
+                <a:solidFill>
+                  <a:srgbClr val="0070C0"/>
+                </a:solidFill>
+              </a:rPr>
+              <a:t>duration/20m</a:t>
+            </a:r>
+            <a:endParaRPr lang="en-US" sz="1000" dirty="0">
+              <a:solidFill>
+                <a:srgbClr val="0070C0"/>
+              </a:solidFill>
+            </a:endParaRPr>
+          </a:p>
+          <a:p>
+            <a:pPr algn="r"/>
+            <a:r>
+              <a:rPr lang="en-US" sz="1000" dirty="0">
+                <a:solidFill>
+                  <a:srgbClr val="0070C0"/>
+                </a:solidFill>
+              </a:rPr>
+              <a:t>equipment/dumbbell”)</a:t>
+            </a:r>
+            <a:endParaRPr lang="en-US" sz="1000" dirty="0">
+              <a:solidFill>
+                <a:srgbClr val="0070C0"/>
+              </a:solidFill>
+            </a:endParaRPr>
           </a:p>
         </p:txBody>
       </p:sp>
@@ -4047,7 +3994,7 @@
         </p:nvCxnSpPr>
         <p:spPr>
           <a:xfrm flipV="1">
-            <a:off x="4135972" y="1512340"/>
+            <a:off x="4132797" y="1512340"/>
             <a:ext cx="922392" cy="1"/>
           </a:xfrm>
           <a:prstGeom prst="straightConnector1">
@@ -4112,6 +4059,7 @@
               <a:rPr lang="en-US" dirty="0"/>
               <a:t>execute()</a:t>
             </a:r>
+            <a:endParaRPr lang="en-US" dirty="0"/>
           </a:p>
         </p:txBody>
       </p:sp>
@@ -4156,14 +4104,12 @@
       <p:cxnSp>
         <p:nvCxnSpPr>
           <p:cNvPr id="35" name="Straight Arrow Connector 34"/>
-          <p:cNvCxnSpPr>
-            <a:cxnSpLocks/>
-          </p:cNvCxnSpPr>
+          <p:cNvCxnSpPr/>
           <p:nvPr/>
         </p:nvCxnSpPr>
         <p:spPr>
           <a:xfrm>
-            <a:off x="1691351" y="2133600"/>
+            <a:off x="1691351" y="2334895"/>
             <a:ext cx="2348067" cy="0"/>
           </a:xfrm>
           <a:prstGeom prst="straightConnector1">
@@ -4239,7 +4185,7 @@
         </p:nvSpPr>
         <p:spPr>
           <a:xfrm>
-            <a:off x="5526488" y="2731313"/>
+            <a:off x="7576268" y="2731313"/>
             <a:ext cx="161322" cy="1307285"/>
           </a:xfrm>
           <a:prstGeom prst="rect">
@@ -4280,14 +4226,14 @@
       </p:sp>
       <p:sp>
         <p:nvSpPr>
-          <p:cNvPr id="79" name="TextBox 78"/>
+          <p:cNvPr id="80" name="TextBox 79"/>
           <p:cNvSpPr txBox="1"/>
           <p:nvPr/>
         </p:nvSpPr>
         <p:spPr>
           <a:xfrm>
-            <a:off x="5651548" y="2748246"/>
-            <a:ext cx="1298078" cy="184666"/>
+            <a:off x="2031365" y="1002665"/>
+            <a:ext cx="1609725" cy="610870"/>
           </a:xfrm>
           <a:prstGeom prst="rect">
             <a:avLst/>
@@ -4311,46 +4257,53 @@
             </a:lvl1pPr>
           </a:lstStyle>
           <a:p>
-            <a:r>
-              <a:rPr lang="en-US" sz="1200" dirty="0" err="1">
-                <a:solidFill>
-                  <a:schemeClr val="accent4">
-                    <a:lumMod val="75000"/>
-                  </a:schemeClr>
-                </a:solidFill>
-              </a:rPr>
-              <a:t>undo</a:t>
-            </a:r>
-            <a:r>
-              <a:rPr lang="en-US" sz="1200" dirty="0" err="1">
-                <a:solidFill>
-                  <a:srgbClr val="7030A0"/>
-                </a:solidFill>
-              </a:rPr>
-              <a:t>AddressBook</a:t>
-            </a:r>
-            <a:r>
-              <a:rPr lang="en-US" sz="1200" dirty="0">
-                <a:solidFill>
-                  <a:srgbClr val="7030A0"/>
-                </a:solidFill>
-              </a:rPr>
-              <a:t>()</a:t>
-            </a:r>
-            <a:endParaRPr lang="en-US" sz="1200" dirty="0"/>
-          </a:p>
-        </p:txBody>
-      </p:sp>
-      <p:sp>
-        <p:nvSpPr>
-          <p:cNvPr id="80" name="TextBox 79"/>
+            <a:pPr algn="r"/>
+            <a:r>
+              <a:rPr lang="en-US" sz="1000" dirty="0" err="1"/>
+              <a:t>parseCommand</a:t>
+            </a:r>
+            <a:r>
+              <a:rPr lang="en-US" sz="1000" dirty="0"/>
+              <a:t>(“filter</a:t>
+            </a:r>
+            <a:endParaRPr lang="en-US" sz="1000" dirty="0"/>
+          </a:p>
+          <a:p>
+            <a:pPr algn="r"/>
+            <a:r>
+              <a:rPr lang="en-US" sz="1000" dirty="0"/>
+              <a:t>type/strength</a:t>
+            </a:r>
+            <a:endParaRPr lang="en-US" sz="1000" dirty="0"/>
+          </a:p>
+          <a:p>
+            <a:pPr algn="r"/>
+            <a:r>
+              <a:rPr lang="en-US" sz="1000" dirty="0"/>
+              <a:t>duration/20m</a:t>
+            </a:r>
+            <a:endParaRPr lang="en-US" sz="1000" dirty="0"/>
+          </a:p>
+          <a:p>
+            <a:pPr algn="r"/>
+            <a:r>
+              <a:rPr lang="en-US" sz="1000" dirty="0"/>
+              <a:t>equipment/dumbbell”)</a:t>
+            </a:r>
+            <a:endParaRPr lang="en-US" sz="1000" dirty="0"/>
+          </a:p>
+        </p:txBody>
+      </p:sp>
+      <p:sp>
+        <p:nvSpPr>
+          <p:cNvPr id="82" name="TextBox 81"/>
           <p:cNvSpPr txBox="1"/>
           <p:nvPr/>
         </p:nvSpPr>
         <p:spPr>
           <a:xfrm>
-            <a:off x="1885189" y="1106150"/>
-            <a:ext cx="1899551" cy="215444"/>
+            <a:off x="3272755" y="3791076"/>
+            <a:ext cx="621216" cy="215444"/>
           </a:xfrm>
           <a:prstGeom prst="rect">
             <a:avLst/>
@@ -4375,26 +4328,23 @@
           </a:lstStyle>
           <a:p>
             <a:r>
-              <a:rPr lang="en-US" dirty="0" err="1"/>
-              <a:t>parseCommand</a:t>
-            </a:r>
-            <a:r>
               <a:rPr lang="en-US" dirty="0"/>
-              <a:t>(“undo”)</a:t>
-            </a:r>
-          </a:p>
-        </p:txBody>
-      </p:sp>
-      <p:sp>
-        <p:nvSpPr>
-          <p:cNvPr id="82" name="TextBox 81"/>
+              <a:t>result</a:t>
+            </a:r>
+            <a:endParaRPr lang="en-US" dirty="0"/>
+          </a:p>
+        </p:txBody>
+      </p:sp>
+      <p:sp>
+        <p:nvSpPr>
+          <p:cNvPr id="83" name="TextBox 82"/>
           <p:cNvSpPr txBox="1"/>
           <p:nvPr/>
         </p:nvSpPr>
         <p:spPr>
           <a:xfrm>
-            <a:off x="3272755" y="3791076"/>
-            <a:ext cx="621216" cy="215444"/>
+            <a:off x="645270" y="3945901"/>
+            <a:ext cx="762000" cy="215444"/>
           </a:xfrm>
           <a:prstGeom prst="rect">
             <a:avLst/>
@@ -4422,19 +4372,20 @@
               <a:rPr lang="en-US" dirty="0"/>
               <a:t>result</a:t>
             </a:r>
-          </a:p>
-        </p:txBody>
-      </p:sp>
-      <p:sp>
-        <p:nvSpPr>
-          <p:cNvPr id="83" name="TextBox 82"/>
+            <a:endParaRPr lang="en-US" dirty="0"/>
+          </a:p>
+        </p:txBody>
+      </p:sp>
+      <p:sp>
+        <p:nvSpPr>
+          <p:cNvPr id="93" name="TextBox 92"/>
           <p:cNvSpPr txBox="1"/>
           <p:nvPr/>
         </p:nvSpPr>
         <p:spPr>
           <a:xfrm>
-            <a:off x="645270" y="3945901"/>
-            <a:ext cx="762000" cy="215444"/>
+            <a:off x="2650497" y="2120423"/>
+            <a:ext cx="220343" cy="215444"/>
           </a:xfrm>
           <a:prstGeom prst="rect">
             <a:avLst/>
@@ -4460,322 +4411,22 @@
           <a:p>
             <a:r>
               <a:rPr lang="en-US" dirty="0"/>
-              <a:t>result</a:t>
-            </a:r>
-          </a:p>
-        </p:txBody>
-      </p:sp>
-      <p:sp>
-        <p:nvSpPr>
-          <p:cNvPr id="84" name="Rectangle 62"/>
-          <p:cNvSpPr/>
-          <p:nvPr/>
-        </p:nvSpPr>
-        <p:spPr>
-          <a:xfrm>
-            <a:off x="7497155" y="2568606"/>
-            <a:ext cx="2181777" cy="335427"/>
-          </a:xfrm>
-          <a:prstGeom prst="rect">
-            <a:avLst/>
-          </a:prstGeom>
-          <a:solidFill>
-            <a:srgbClr val="7030A0"/>
-          </a:solidFill>
-          <a:ln w="19050">
-            <a:solidFill>
-              <a:srgbClr val="7030A0"/>
-            </a:solidFill>
-          </a:ln>
-          <a:effectLst/>
-        </p:spPr>
-        <p:style>
-          <a:lnRef idx="1">
-            <a:schemeClr val="accent2"/>
-          </a:lnRef>
-          <a:fillRef idx="2">
-            <a:schemeClr val="accent2"/>
-          </a:fillRef>
-          <a:effectRef idx="1">
-            <a:schemeClr val="accent2"/>
-          </a:effectRef>
-          <a:fontRef idx="minor">
-            <a:schemeClr val="dk1"/>
-          </a:fontRef>
-        </p:style>
-        <p:txBody>
-          <a:bodyPr rtlCol="0" anchor="ctr"/>
-          <a:lstStyle/>
-          <a:p>
-            <a:pPr algn="ctr"/>
-            <a:r>
-              <a:rPr lang="en-US" sz="1600" dirty="0">
-                <a:solidFill>
-                  <a:schemeClr val="bg1"/>
-                </a:solidFill>
-              </a:rPr>
-              <a:t>:</a:t>
-            </a:r>
-            <a:r>
-              <a:rPr lang="en-US" sz="1600" dirty="0" err="1">
-                <a:solidFill>
-                  <a:schemeClr val="bg1"/>
-                </a:solidFill>
-              </a:rPr>
-              <a:t>VersionedAddressBook</a:t>
-            </a:r>
-            <a:endParaRPr lang="en-SG" sz="1600" dirty="0">
-              <a:solidFill>
-                <a:schemeClr val="bg1"/>
-              </a:solidFill>
-            </a:endParaRPr>
-          </a:p>
-        </p:txBody>
-      </p:sp>
-      <p:sp>
-        <p:nvSpPr>
-          <p:cNvPr id="86" name="Rectangle 85"/>
-          <p:cNvSpPr/>
-          <p:nvPr/>
-        </p:nvSpPr>
-        <p:spPr>
-          <a:xfrm>
-            <a:off x="8514207" y="3182840"/>
-            <a:ext cx="129933" cy="398562"/>
-          </a:xfrm>
-          <a:prstGeom prst="rect">
-            <a:avLst/>
-          </a:prstGeom>
-          <a:solidFill>
-            <a:srgbClr val="7030A0"/>
-          </a:solidFill>
-          <a:ln>
-            <a:solidFill>
-              <a:srgbClr val="7030A0"/>
-            </a:solidFill>
-          </a:ln>
-          <a:effectLst/>
-        </p:spPr>
-        <p:style>
-          <a:lnRef idx="1">
-            <a:schemeClr val="accent3"/>
-          </a:lnRef>
-          <a:fillRef idx="2">
-            <a:schemeClr val="accent3"/>
-          </a:fillRef>
-          <a:effectRef idx="1">
-            <a:schemeClr val="accent3"/>
-          </a:effectRef>
-          <a:fontRef idx="minor">
-            <a:schemeClr val="dk1"/>
-          </a:fontRef>
-        </p:style>
-        <p:txBody>
-          <a:bodyPr rtlCol="0" anchor="ctr"/>
-          <a:lstStyle/>
-          <a:p>
-            <a:pPr algn="ctr"/>
-            <a:endParaRPr lang="en-SG" sz="1400"/>
-          </a:p>
-        </p:txBody>
-      </p:sp>
-      <p:sp>
-        <p:nvSpPr>
-          <p:cNvPr id="93" name="TextBox 92"/>
-          <p:cNvSpPr txBox="1"/>
-          <p:nvPr/>
-        </p:nvSpPr>
-        <p:spPr>
-          <a:xfrm>
-            <a:off x="2724792" y="1905793"/>
-            <a:ext cx="220343" cy="215444"/>
-          </a:xfrm>
-          <a:prstGeom prst="rect">
-            <a:avLst/>
-          </a:prstGeom>
-          <a:noFill/>
-        </p:spPr>
-        <p:txBody>
-          <a:bodyPr wrap="square" lIns="0" tIns="0" rIns="0" bIns="0" rtlCol="0">
-            <a:spAutoFit/>
-          </a:bodyPr>
-          <a:lstStyle>
-            <a:defPPr>
-              <a:defRPr lang="en-US"/>
-            </a:defPPr>
-            <a:lvl1pPr algn="r">
-              <a:defRPr sz="1400">
-                <a:solidFill>
-                  <a:srgbClr val="0070C0"/>
-                </a:solidFill>
-              </a:defRPr>
-            </a:lvl1pPr>
-          </a:lstStyle>
-          <a:p>
-            <a:r>
-              <a:rPr lang="en-US" dirty="0"/>
               <a:t>u</a:t>
             </a:r>
-          </a:p>
-        </p:txBody>
-      </p:sp>
-      <p:sp>
-        <p:nvSpPr>
-          <p:cNvPr id="40" name="Rectangle 62"/>
-          <p:cNvSpPr/>
-          <p:nvPr/>
-        </p:nvSpPr>
-        <p:spPr>
-          <a:xfrm>
-            <a:off x="6549765" y="2362200"/>
-            <a:ext cx="841636" cy="300180"/>
-          </a:xfrm>
-          <a:prstGeom prst="rect">
-            <a:avLst/>
-          </a:prstGeom>
-          <a:solidFill>
-            <a:srgbClr val="7030A0"/>
-          </a:solidFill>
-          <a:ln w="19050">
-            <a:solidFill>
-              <a:srgbClr val="7030A0"/>
-            </a:solidFill>
-          </a:ln>
-          <a:effectLst/>
-        </p:spPr>
-        <p:style>
-          <a:lnRef idx="1">
-            <a:schemeClr val="accent2"/>
-          </a:lnRef>
-          <a:fillRef idx="2">
-            <a:schemeClr val="accent2"/>
-          </a:fillRef>
-          <a:effectRef idx="1">
-            <a:schemeClr val="accent2"/>
-          </a:effectRef>
-          <a:fontRef idx="minor">
-            <a:schemeClr val="dk1"/>
-          </a:fontRef>
-        </p:style>
-        <p:txBody>
-          <a:bodyPr rtlCol="0" anchor="ctr"/>
-          <a:lstStyle/>
-          <a:p>
-            <a:pPr algn="ctr"/>
-            <a:r>
-              <a:rPr lang="en-US" sz="1600" dirty="0">
-                <a:solidFill>
-                  <a:schemeClr val="bg1"/>
-                </a:solidFill>
-              </a:rPr>
-              <a:t>: Model</a:t>
-            </a:r>
-            <a:endParaRPr lang="en-SG" sz="1600" dirty="0">
-              <a:solidFill>
-                <a:schemeClr val="bg1"/>
-              </a:solidFill>
-            </a:endParaRPr>
-          </a:p>
-        </p:txBody>
-      </p:sp>
-      <p:cxnSp>
-        <p:nvCxnSpPr>
-          <p:cNvPr id="46" name="Straight Connector 45"/>
-          <p:cNvCxnSpPr>
-            <a:cxnSpLocks/>
-          </p:cNvCxnSpPr>
-          <p:nvPr/>
-        </p:nvCxnSpPr>
-        <p:spPr>
-          <a:xfrm flipH="1">
-            <a:off x="6986491" y="2653306"/>
-            <a:ext cx="3959" cy="1735710"/>
-          </a:xfrm>
-          <a:prstGeom prst="line">
-            <a:avLst/>
-          </a:prstGeom>
-          <a:ln w="19050">
-            <a:solidFill>
-              <a:srgbClr val="7030A0"/>
-            </a:solidFill>
-            <a:prstDash val="sysDash"/>
-          </a:ln>
-          <a:effectLst/>
-        </p:spPr>
-        <p:style>
-          <a:lnRef idx="1">
-            <a:schemeClr val="accent1"/>
-          </a:lnRef>
-          <a:fillRef idx="2">
-            <a:schemeClr val="accent1"/>
-          </a:fillRef>
-          <a:effectRef idx="1">
-            <a:schemeClr val="accent1"/>
-          </a:effectRef>
-          <a:fontRef idx="minor">
-            <a:schemeClr val="dk1"/>
-          </a:fontRef>
-        </p:style>
-      </p:cxnSp>
-      <p:sp>
-        <p:nvSpPr>
-          <p:cNvPr id="49" name="Rectangle 48"/>
-          <p:cNvSpPr/>
-          <p:nvPr/>
-        </p:nvSpPr>
-        <p:spPr>
-          <a:xfrm>
-            <a:off x="6887527" y="2958106"/>
-            <a:ext cx="168896" cy="775693"/>
-          </a:xfrm>
-          <a:prstGeom prst="rect">
-            <a:avLst/>
-          </a:prstGeom>
-          <a:solidFill>
-            <a:srgbClr val="7030A0"/>
-          </a:solidFill>
-          <a:ln>
-            <a:solidFill>
-              <a:srgbClr val="7030A0"/>
-            </a:solidFill>
-          </a:ln>
-          <a:effectLst/>
-        </p:spPr>
-        <p:style>
-          <a:lnRef idx="1">
-            <a:schemeClr val="accent3"/>
-          </a:lnRef>
-          <a:fillRef idx="2">
-            <a:schemeClr val="accent3"/>
-          </a:fillRef>
-          <a:effectRef idx="1">
-            <a:schemeClr val="accent3"/>
-          </a:effectRef>
-          <a:fontRef idx="minor">
-            <a:schemeClr val="dk1"/>
-          </a:fontRef>
-        </p:style>
-        <p:txBody>
-          <a:bodyPr rtlCol="0" anchor="ctr"/>
-          <a:lstStyle/>
-          <a:p>
-            <a:pPr algn="ctr"/>
-            <a:endParaRPr lang="en-SG" sz="1400"/>
+            <a:endParaRPr lang="en-US" dirty="0"/>
           </a:p>
         </p:txBody>
       </p:sp>
       <p:cxnSp>
         <p:nvCxnSpPr>
           <p:cNvPr id="50" name="Straight Arrow Connector 49"/>
-          <p:cNvCxnSpPr>
-            <a:cxnSpLocks/>
-          </p:cNvCxnSpPr>
+          <p:cNvCxnSpPr/>
           <p:nvPr/>
         </p:nvCxnSpPr>
         <p:spPr>
           <a:xfrm>
-            <a:off x="5685755" y="2975344"/>
-            <a:ext cx="1210345" cy="0"/>
+            <a:off x="4114800" y="2057400"/>
+            <a:ext cx="1420495" cy="1905"/>
           </a:xfrm>
           <a:prstGeom prst="straightConnector1">
             <a:avLst/>
@@ -4810,7 +4461,7 @@
         </p:nvSpPr>
         <p:spPr>
           <a:xfrm>
-            <a:off x="5472880" y="4258211"/>
+            <a:off x="5463990" y="2390041"/>
             <a:ext cx="258404" cy="261610"/>
           </a:xfrm>
           <a:prstGeom prst="rect">
@@ -4832,6 +4483,11 @@
               </a:rPr>
               <a:t>X</a:t>
             </a:r>
+            <a:endParaRPr lang="en-SG" sz="1100" dirty="0">
+              <a:solidFill>
+                <a:srgbClr val="002060"/>
+              </a:solidFill>
+            </a:endParaRPr>
           </a:p>
         </p:txBody>
       </p:sp>
@@ -4843,8 +4499,8 @@
         </p:nvSpPr>
         <p:spPr>
           <a:xfrm>
-            <a:off x="5035976" y="1260268"/>
-            <a:ext cx="1093635" cy="461538"/>
+            <a:off x="5055235" y="1261745"/>
+            <a:ext cx="1648460" cy="454025"/>
           </a:xfrm>
           <a:prstGeom prst="rect">
             <a:avLst/>
@@ -4884,22 +4540,7 @@
                   <a:schemeClr val="bg1"/>
                 </a:solidFill>
               </a:rPr>
-              <a:t>u:Undo</a:t>
-            </a:r>
-            <a:br>
-              <a:rPr lang="en-US" sz="1600" dirty="0">
-                <a:solidFill>
-                  <a:schemeClr val="bg1"/>
-                </a:solidFill>
-              </a:rPr>
-            </a:br>
-            <a:r>
-              <a:rPr lang="en-US" sz="1600" dirty="0">
-                <a:solidFill>
-                  <a:schemeClr val="bg1"/>
-                </a:solidFill>
-              </a:rPr>
-              <a:t>Command</a:t>
+              <a:t>u:filterCommandParser</a:t>
             </a:r>
             <a:endParaRPr lang="en-SG" sz="1600" dirty="0">
               <a:solidFill>
@@ -4911,22 +4552,16 @@
       </p:sp>
       <p:cxnSp>
         <p:nvCxnSpPr>
-          <p:cNvPr id="66" name="Straight Arrow Connector 65">
-            <a:extLst>
-              <a:ext uri="{FF2B5EF4-FFF2-40B4-BE49-F238E27FC236}">
-                <a16:creationId xmlns:a16="http://schemas.microsoft.com/office/drawing/2014/main" id="{39916E2E-195A-4DC8-B025-B05FA87E6796}"/>
-              </a:ext>
-            </a:extLst>
-          </p:cNvPr>
+          <p:cNvPr id="66" name="Straight Arrow Connector 65"/>
           <p:cNvCxnSpPr>
-            <a:cxnSpLocks/>
+            <a:stCxn id="6" idx="3"/>
           </p:cNvCxnSpPr>
           <p:nvPr/>
         </p:nvCxnSpPr>
         <p:spPr>
           <a:xfrm>
-            <a:off x="1691351" y="2731314"/>
-            <a:ext cx="3832164" cy="1"/>
+            <a:off x="1691640" y="2724785"/>
+            <a:ext cx="5975985" cy="6350"/>
           </a:xfrm>
           <a:prstGeom prst="straightConnector1">
             <a:avLst/>
@@ -4955,16 +4590,8 @@
       </p:cxnSp>
       <p:cxnSp>
         <p:nvCxnSpPr>
-          <p:cNvPr id="67" name="Straight Arrow Connector 66">
-            <a:extLst>
-              <a:ext uri="{FF2B5EF4-FFF2-40B4-BE49-F238E27FC236}">
-                <a16:creationId xmlns:a16="http://schemas.microsoft.com/office/drawing/2014/main" id="{D881596E-177C-4FDC-8E60-CAB90B3D5FAB}"/>
-              </a:ext>
-            </a:extLst>
-          </p:cNvPr>
-          <p:cNvCxnSpPr>
-            <a:cxnSpLocks/>
-          </p:cNvCxnSpPr>
+          <p:cNvPr id="67" name="Straight Arrow Connector 66"/>
+          <p:cNvCxnSpPr/>
           <p:nvPr/>
         </p:nvCxnSpPr>
         <p:spPr>
@@ -4999,22 +4626,16 @@
       </p:cxnSp>
       <p:cxnSp>
         <p:nvCxnSpPr>
-          <p:cNvPr id="69" name="Straight Arrow Connector 68">
-            <a:extLst>
-              <a:ext uri="{FF2B5EF4-FFF2-40B4-BE49-F238E27FC236}">
-                <a16:creationId xmlns:a16="http://schemas.microsoft.com/office/drawing/2014/main" id="{7C9F21BC-13A9-471F-825A-2621FD36355F}"/>
-              </a:ext>
-            </a:extLst>
-          </p:cNvPr>
+          <p:cNvPr id="69" name="Straight Arrow Connector 68"/>
           <p:cNvCxnSpPr>
-            <a:cxnSpLocks/>
+            <a:endCxn id="65" idx="2"/>
           </p:cNvCxnSpPr>
           <p:nvPr/>
         </p:nvCxnSpPr>
         <p:spPr>
           <a:xfrm>
-            <a:off x="1691998" y="4036462"/>
-            <a:ext cx="3831517" cy="0"/>
+            <a:off x="1691640" y="4038600"/>
+            <a:ext cx="5965190" cy="0"/>
           </a:xfrm>
           <a:prstGeom prst="straightConnector1">
             <a:avLst/>
@@ -5045,20 +4666,60 @@
       </p:cxnSp>
       <p:sp>
         <p:nvSpPr>
-          <p:cNvPr id="88" name="TextBox 87">
-            <a:extLst>
-              <a:ext uri="{FF2B5EF4-FFF2-40B4-BE49-F238E27FC236}">
-                <a16:creationId xmlns:a16="http://schemas.microsoft.com/office/drawing/2014/main" id="{B85C6184-7378-4E89-A338-72B1E5056F4F}"/>
-              </a:ext>
-            </a:extLst>
-          </p:cNvPr>
+          <p:cNvPr id="3" name="Rectangle 2"/>
+          <p:cNvSpPr/>
+          <p:nvPr/>
+        </p:nvSpPr>
+        <p:spPr>
+          <a:xfrm>
+            <a:off x="5535407" y="2059403"/>
+            <a:ext cx="152400" cy="276003"/>
+          </a:xfrm>
+          <a:prstGeom prst="rect">
+            <a:avLst/>
+          </a:prstGeom>
+          <a:solidFill>
+            <a:srgbClr val="0070C0"/>
+          </a:solidFill>
+          <a:ln>
+            <a:solidFill>
+              <a:srgbClr val="0070C0"/>
+            </a:solidFill>
+          </a:ln>
+          <a:effectLst/>
+        </p:spPr>
+        <p:style>
+          <a:lnRef idx="1">
+            <a:schemeClr val="accent3"/>
+          </a:lnRef>
+          <a:fillRef idx="2">
+            <a:schemeClr val="accent3"/>
+          </a:fillRef>
+          <a:effectRef idx="1">
+            <a:schemeClr val="accent3"/>
+          </a:effectRef>
+          <a:fontRef idx="minor">
+            <a:schemeClr val="dk1"/>
+          </a:fontRef>
+        </p:style>
+        <p:txBody>
+          <a:bodyPr rtlCol="0" anchor="ctr"/>
+          <a:p>
+            <a:pPr algn="ctr"/>
+            <a:endParaRPr lang="en-SG" sz="1400"/>
+          </a:p>
+        </p:txBody>
+      </p:sp>
+      <p:sp>
+        <p:nvSpPr>
+          <p:cNvPr id="8" name="TextBox 28"/>
           <p:cNvSpPr txBox="1"/>
           <p:nvPr/>
         </p:nvSpPr>
         <p:spPr>
           <a:xfrm>
-            <a:off x="8769530" y="3267337"/>
-            <a:ext cx="2120786" cy="184666"/>
+            <a:off x="4279265" y="1968500"/>
+            <a:ext cx="1152525" cy="458470"/>
           </a:xfrm>
           <a:prstGeom prst="rect">
             <a:avLst/>
@@ -5083,165 +4744,174 @@
           </a:lstStyle>
           <a:p>
             <a:r>
-              <a:rPr lang="en-US" sz="1200" dirty="0" err="1">
-                <a:solidFill>
-                  <a:srgbClr val="7030A0"/>
-                </a:solidFill>
-              </a:rPr>
-              <a:t>resetData</a:t>
-            </a:r>
-            <a:r>
-              <a:rPr lang="en-US" sz="1200" dirty="0">
-                <a:solidFill>
-                  <a:srgbClr val="7030A0"/>
-                </a:solidFill>
-              </a:rPr>
-              <a:t>(</a:t>
-            </a:r>
-            <a:r>
-              <a:rPr lang="en-US" sz="1200" dirty="0" err="1">
-                <a:solidFill>
-                  <a:srgbClr val="7030A0"/>
-                </a:solidFill>
-              </a:rPr>
-              <a:t>ReadOnlyAddressBook</a:t>
-            </a:r>
-            <a:r>
-              <a:rPr lang="en-US" sz="1200" dirty="0">
-                <a:solidFill>
-                  <a:srgbClr val="7030A0"/>
-                </a:solidFill>
-              </a:rPr>
-              <a:t>)</a:t>
-            </a:r>
-            <a:endParaRPr lang="en-US" sz="1200" dirty="0"/>
+              <a:rPr lang="en-US" sz="1000" dirty="0"/>
+              <a:t>parse(“type/strength duration/20m equipment/dumbbell)</a:t>
+            </a:r>
+            <a:endParaRPr lang="en-US" sz="1000" dirty="0"/>
           </a:p>
         </p:txBody>
       </p:sp>
       <p:cxnSp>
         <p:nvCxnSpPr>
-          <p:cNvPr id="89" name="Straight Connector 88">
-            <a:extLst>
-              <a:ext uri="{FF2B5EF4-FFF2-40B4-BE49-F238E27FC236}">
-                <a16:creationId xmlns:a16="http://schemas.microsoft.com/office/drawing/2014/main" id="{E4E1C8CA-49DF-45D8-80A5-D5C8282EE927}"/>
-              </a:ext>
-            </a:extLst>
-          </p:cNvPr>
-          <p:cNvCxnSpPr>
-            <a:cxnSpLocks/>
-          </p:cNvCxnSpPr>
+          <p:cNvPr id="9" name="Straight Arrow Connector 8"/>
+          <p:cNvCxnSpPr/>
           <p:nvPr/>
         </p:nvCxnSpPr>
         <p:spPr>
           <a:xfrm>
-            <a:off x="8588043" y="2871355"/>
-            <a:ext cx="17996" cy="1467648"/>
-          </a:xfrm>
-          <a:prstGeom prst="line">
+            <a:off x="4132603" y="2335432"/>
+            <a:ext cx="1492974" cy="0"/>
+          </a:xfrm>
+          <a:prstGeom prst="straightConnector1">
             <a:avLst/>
           </a:prstGeom>
           <a:ln w="19050">
             <a:solidFill>
-              <a:srgbClr val="7030A0"/>
+              <a:srgbClr val="0070C0"/>
             </a:solidFill>
             <a:prstDash val="sysDash"/>
+            <a:headEnd type="arrow" w="med" len="med"/>
+            <a:tailEnd type="none" w="med" len="med"/>
           </a:ln>
-          <a:effectLst/>
         </p:spPr>
         <p:style>
           <a:lnRef idx="1">
             <a:schemeClr val="accent1"/>
           </a:lnRef>
-          <a:fillRef idx="2">
+          <a:fillRef idx="0">
             <a:schemeClr val="accent1"/>
           </a:fillRef>
+          <a:effectRef idx="0">
+            <a:schemeClr val="accent1"/>
+          </a:effectRef>
+          <a:fontRef idx="minor">
+            <a:schemeClr val="tx1"/>
+          </a:fontRef>
+        </p:style>
+      </p:cxnSp>
+      <p:sp>
+        <p:nvSpPr>
+          <p:cNvPr id="10" name="Rectangle 62"/>
+          <p:cNvSpPr/>
+          <p:nvPr/>
+        </p:nvSpPr>
+        <p:spPr>
+          <a:xfrm>
+            <a:off x="6858000" y="1651000"/>
+            <a:ext cx="1648460" cy="454025"/>
+          </a:xfrm>
+          <a:prstGeom prst="rect">
+            <a:avLst/>
+          </a:prstGeom>
+          <a:solidFill>
+            <a:srgbClr val="0070C0"/>
+          </a:solidFill>
+          <a:ln w="19050">
+            <a:solidFill>
+              <a:srgbClr val="0070C0"/>
+            </a:solidFill>
+          </a:ln>
+          <a:effectLst/>
+        </p:spPr>
+        <p:style>
+          <a:lnRef idx="1">
+            <a:schemeClr val="accent2"/>
+          </a:lnRef>
+          <a:fillRef idx="2">
+            <a:schemeClr val="accent2"/>
+          </a:fillRef>
           <a:effectRef idx="1">
-            <a:schemeClr val="accent1"/>
+            <a:schemeClr val="accent2"/>
           </a:effectRef>
           <a:fontRef idx="minor">
             <a:schemeClr val="dk1"/>
           </a:fontRef>
         </p:style>
-      </p:cxnSp>
-      <p:sp>
-        <p:nvSpPr>
-          <p:cNvPr id="41" name="TextBox 40"/>
-          <p:cNvSpPr txBox="1"/>
+        <p:txBody>
+          <a:bodyPr rtlCol="0" anchor="ctr"/>
+          <a:p>
+            <a:pPr algn="ctr"/>
+            <a:r>
+              <a:rPr lang="en-US" sz="1600" dirty="0">
+                <a:solidFill>
+                  <a:schemeClr val="bg1"/>
+                </a:solidFill>
+              </a:rPr>
+              <a:t>r:filterCommand</a:t>
+            </a:r>
+            <a:endParaRPr lang="en-SG" sz="1600" dirty="0">
+              <a:solidFill>
+                <a:schemeClr val="bg1"/>
+              </a:solidFill>
+            </a:endParaRPr>
+          </a:p>
+        </p:txBody>
+      </p:sp>
+      <p:sp>
+        <p:nvSpPr>
+          <p:cNvPr id="11" name="Rectangle 10"/>
+          <p:cNvSpPr/>
           <p:nvPr/>
         </p:nvSpPr>
         <p:spPr>
           <a:xfrm>
-            <a:off x="7667691" y="2975344"/>
-            <a:ext cx="551687" cy="184666"/>
+            <a:off x="7606142" y="1968598"/>
+            <a:ext cx="152400" cy="276003"/>
           </a:xfrm>
           <a:prstGeom prst="rect">
             <a:avLst/>
           </a:prstGeom>
-          <a:noFill/>
+          <a:solidFill>
+            <a:srgbClr val="0070C0"/>
+          </a:solidFill>
           <a:ln>
-            <a:noFill/>
+            <a:solidFill>
+              <a:srgbClr val="0070C0"/>
+            </a:solidFill>
           </a:ln>
-        </p:spPr>
-        <p:txBody>
-          <a:bodyPr wrap="square" lIns="0" tIns="0" rIns="0" bIns="0" rtlCol="0">
-            <a:spAutoFit/>
-          </a:bodyPr>
-          <a:lstStyle>
-            <a:defPPr>
-              <a:defRPr lang="en-US"/>
-            </a:defPPr>
-            <a:lvl1pPr algn="r">
-              <a:defRPr sz="1400">
-                <a:solidFill>
-                  <a:srgbClr val="0070C0"/>
-                </a:solidFill>
-              </a:defRPr>
-            </a:lvl1pPr>
-          </a:lstStyle>
-          <a:p>
-            <a:r>
-              <a:rPr lang="en-US" sz="1200" dirty="0">
-                <a:solidFill>
-                  <a:srgbClr val="7030A0"/>
-                </a:solidFill>
-              </a:rPr>
-              <a:t>undo</a:t>
-            </a:r>
-            <a:r>
-              <a:rPr lang="en-US" sz="1200" dirty="0">
-                <a:solidFill>
-                  <a:schemeClr val="accent4">
-                    <a:lumMod val="75000"/>
-                  </a:schemeClr>
-                </a:solidFill>
-              </a:rPr>
-              <a:t>()</a:t>
-            </a:r>
+          <a:effectLst/>
+        </p:spPr>
+        <p:style>
+          <a:lnRef idx="1">
+            <a:schemeClr val="accent3"/>
+          </a:lnRef>
+          <a:fillRef idx="2">
+            <a:schemeClr val="accent3"/>
+          </a:fillRef>
+          <a:effectRef idx="1">
+            <a:schemeClr val="accent3"/>
+          </a:effectRef>
+          <a:fontRef idx="minor">
+            <a:schemeClr val="dk1"/>
+          </a:fontRef>
+        </p:style>
+        <p:txBody>
+          <a:bodyPr rtlCol="0" anchor="ctr"/>
+          <a:p>
+            <a:pPr algn="ctr"/>
+            <a:endParaRPr lang="en-SG" sz="1400"/>
           </a:p>
         </p:txBody>
       </p:sp>
       <p:cxnSp>
         <p:nvCxnSpPr>
-          <p:cNvPr id="13" name="Curved Connector 12"/>
+          <p:cNvPr id="12" name="Straight Arrow Connector 11"/>
           <p:cNvCxnSpPr/>
           <p:nvPr/>
         </p:nvCxnSpPr>
         <p:spPr>
-          <a:xfrm rot="16200000" flipH="1">
-            <a:off x="8527578" y="3220579"/>
-            <a:ext cx="156923" cy="76200"/>
-          </a:xfrm>
-          <a:prstGeom prst="curvedConnector4">
-            <a:avLst>
-              <a:gd name="adj1" fmla="val -145677"/>
-              <a:gd name="adj2" fmla="val 400000"/>
-            </a:avLst>
+          <a:xfrm>
+            <a:off x="5678170" y="2057400"/>
+            <a:ext cx="1179830" cy="0"/>
+          </a:xfrm>
+          <a:prstGeom prst="straightConnector1">
+            <a:avLst/>
           </a:prstGeom>
-          <a:ln>
+          <a:ln w="19050">
             <a:solidFill>
-              <a:srgbClr val="7030A0"/>
+              <a:srgbClr val="0070C0"/>
             </a:solidFill>
-            <a:tailEnd type="triangle"/>
+            <a:tailEnd type="arrow"/>
           </a:ln>
         </p:spPr>
         <p:style>
@@ -5261,25 +4931,25 @@
       </p:cxnSp>
       <p:cxnSp>
         <p:nvCxnSpPr>
-          <p:cNvPr id="52" name="Straight Arrow Connector 51"/>
-          <p:cNvCxnSpPr>
-            <a:cxnSpLocks/>
-          </p:cNvCxnSpPr>
+          <p:cNvPr id="14" name="Straight Arrow Connector 13"/>
+          <p:cNvCxnSpPr/>
           <p:nvPr/>
         </p:nvCxnSpPr>
         <p:spPr>
           <a:xfrm>
-            <a:off x="7043991" y="3182839"/>
-            <a:ext cx="1470216" cy="0"/>
+            <a:off x="5625465" y="2228215"/>
+            <a:ext cx="1950720" cy="0"/>
           </a:xfrm>
           <a:prstGeom prst="straightConnector1">
             <a:avLst/>
           </a:prstGeom>
           <a:ln w="19050">
             <a:solidFill>
-              <a:srgbClr val="7030A0"/>
+              <a:srgbClr val="0070C0"/>
             </a:solidFill>
-            <a:tailEnd type="arrow"/>
+            <a:prstDash val="sysDash"/>
+            <a:headEnd type="arrow" w="med" len="med"/>
+            <a:tailEnd type="none" w="med" len="med"/>
           </a:ln>
         </p:spPr>
         <p:style>
@@ -5299,103 +4969,42 @@
       </p:cxnSp>
       <p:cxnSp>
         <p:nvCxnSpPr>
-          <p:cNvPr id="60" name="Straight Arrow Connector 59">
-            <a:extLst>
-              <a:ext uri="{FF2B5EF4-FFF2-40B4-BE49-F238E27FC236}">
-                <a16:creationId xmlns:a16="http://schemas.microsoft.com/office/drawing/2014/main" id="{7C9F21BC-13A9-471F-825A-2621FD36355F}"/>
-              </a:ext>
-            </a:extLst>
-          </p:cNvPr>
-          <p:cNvCxnSpPr>
-            <a:cxnSpLocks/>
-          </p:cNvCxnSpPr>
+          <p:cNvPr id="15" name="Straight Connector 14"/>
+          <p:cNvCxnSpPr/>
           <p:nvPr/>
         </p:nvCxnSpPr>
         <p:spPr>
-          <a:xfrm flipV="1">
-            <a:off x="7043991" y="3564914"/>
-            <a:ext cx="1470216" cy="6325"/>
-          </a:xfrm>
-          <a:prstGeom prst="straightConnector1">
+          <a:xfrm>
+            <a:off x="7667625" y="2228215"/>
+            <a:ext cx="28575" cy="2115185"/>
+          </a:xfrm>
+          <a:prstGeom prst="line">
             <a:avLst/>
           </a:prstGeom>
           <a:ln w="19050">
             <a:solidFill>
-              <a:srgbClr val="7030A0"/>
+              <a:srgbClr val="0070C0"/>
             </a:solidFill>
             <a:prstDash val="sysDash"/>
-            <a:headEnd type="arrow" w="med" len="med"/>
-            <a:tailEnd type="none" w="med" len="med"/>
           </a:ln>
+          <a:effectLst/>
         </p:spPr>
         <p:style>
           <a:lnRef idx="1">
             <a:schemeClr val="accent1"/>
           </a:lnRef>
-          <a:fillRef idx="0">
+          <a:fillRef idx="2">
             <a:schemeClr val="accent1"/>
           </a:fillRef>
-          <a:effectRef idx="0">
+          <a:effectRef idx="1">
             <a:schemeClr val="accent1"/>
           </a:effectRef>
           <a:fontRef idx="minor">
-            <a:schemeClr val="tx1"/>
-          </a:fontRef>
-        </p:style>
-      </p:cxnSp>
-      <p:cxnSp>
-        <p:nvCxnSpPr>
-          <p:cNvPr id="63" name="Straight Arrow Connector 62">
-            <a:extLst>
-              <a:ext uri="{FF2B5EF4-FFF2-40B4-BE49-F238E27FC236}">
-                <a16:creationId xmlns:a16="http://schemas.microsoft.com/office/drawing/2014/main" id="{7C9F21BC-13A9-471F-825A-2621FD36355F}"/>
-              </a:ext>
-            </a:extLst>
-          </p:cNvPr>
-          <p:cNvCxnSpPr>
-            <a:cxnSpLocks/>
-            <a:endCxn id="49" idx="2"/>
-          </p:cNvCxnSpPr>
-          <p:nvPr/>
-        </p:nvCxnSpPr>
-        <p:spPr>
-          <a:xfrm>
-            <a:off x="5675919" y="3733799"/>
-            <a:ext cx="1296056" cy="0"/>
-          </a:xfrm>
-          <a:prstGeom prst="straightConnector1">
-            <a:avLst/>
-          </a:prstGeom>
-          <a:ln w="19050">
-            <a:solidFill>
-              <a:srgbClr val="7030A0"/>
-            </a:solidFill>
-            <a:prstDash val="sysDash"/>
-            <a:headEnd type="arrow" w="med" len="med"/>
-            <a:tailEnd type="none" w="med" len="med"/>
-          </a:ln>
-        </p:spPr>
-        <p:style>
-          <a:lnRef idx="1">
-            <a:schemeClr val="accent1"/>
-          </a:lnRef>
-          <a:fillRef idx="0">
-            <a:schemeClr val="accent1"/>
-          </a:fillRef>
-          <a:effectRef idx="0">
-            <a:schemeClr val="accent1"/>
-          </a:effectRef>
-          <a:fontRef idx="minor">
-            <a:schemeClr val="tx1"/>
+            <a:schemeClr val="dk1"/>
           </a:fontRef>
         </p:style>
       </p:cxnSp>
     </p:spTree>
-    <p:extLst>
-      <p:ext uri="{BB962C8B-B14F-4D97-AF65-F5344CB8AC3E}">
-        <p14:creationId xmlns:p14="http://schemas.microsoft.com/office/powerpoint/2010/main" val="3945898909"/>
-      </p:ext>
-    </p:extLst>
   </p:cSld>
   <p:clrMapOvr>
     <a:masterClrMapping/>
@@ -5683,8 +5292,11 @@
       </a:bgFillStyleLst>
     </a:fmtScheme>
   </a:themeElements>
-  <a:objectDefaults/>
-  <a:extraClrSchemeLst/>
+  <a:extLst>
+    <a:ext uri="{05A4C25C-085E-4340-85A3-A5531E510DB2}">
+      <thm15:themeFamily xmlns:thm15="http://schemas.microsoft.com/office/thememl/2012/main" name="Office Theme" id="{62F939B6-93AF-4DB8-9C6B-D6C7DFDC589F}" vid="{4A3C46E8-61CC-4603-A589-7422A47A8E4A}"/>
+    </a:ext>
+  </a:extLst>
 </a:theme>
 </file>
 
@@ -5968,7 +5580,10 @@
       </a:bgFillStyleLst>
     </a:fmtScheme>
   </a:themeElements>
-  <a:objectDefaults/>
-  <a:extraClrSchemeLst/>
+  <a:extLst>
+    <a:ext uri="{05A4C25C-085E-4340-85A3-A5531E510DB2}">
+      <thm15:themeFamily xmlns:thm15="http://schemas.microsoft.com/office/thememl/2012/main" name="Office Theme" id="{62F939B6-93AF-4DB8-9C6B-D6C7DFDC589F}" vid="{4A3C46E8-61CC-4603-A589-7422A47A8E4A}"/>
+    </a:ext>
+  </a:extLst>
 </a:theme>
 </file>
--- a/docs/diagrams/UndoRedoSequenceDiagram.pptx
+++ b/docs/diagrams/UndoRedoSequenceDiagram.pptx
@@ -1,14 +1,14 @@
 
 <file path=ppt/presentation.xml><?xml version="1.0" encoding="utf-8"?>
-<p:presentation xmlns:a="http://schemas.openxmlformats.org/drawingml/2006/main" xmlns:r="http://schemas.openxmlformats.org/officeDocument/2006/relationships" xmlns:p="http://schemas.openxmlformats.org/presentationml/2006/main">
+<p:presentation xmlns:a="http://schemas.openxmlformats.org/drawingml/2006/main" xmlns:r="http://schemas.openxmlformats.org/officeDocument/2006/relationships" xmlns:p="http://schemas.openxmlformats.org/presentationml/2006/main" saveSubsetFonts="1">
   <p:sldMasterIdLst>
     <p:sldMasterId id="2147483648" r:id="rId1"/>
   </p:sldMasterIdLst>
   <p:notesMasterIdLst>
-    <p:notesMasterId r:id="rId4"/>
+    <p:notesMasterId r:id="rId3"/>
   </p:notesMasterIdLst>
   <p:sldIdLst>
-    <p:sldId id="267" r:id="rId3"/>
+    <p:sldId id="267" r:id="rId2"/>
   </p:sldIdLst>
   <p:sldSz cx="9144000" cy="6858000" type="screen4x3"/>
   <p:notesSz cx="6858000" cy="9144000"/>
@@ -107,6 +107,22 @@
       </a:defRPr>
     </a:lvl9pPr>
   </p:defaultTextStyle>
+  <p:extLst>
+    <p:ext uri="{EFAFB233-063F-42B5-8137-9DF3F51BA10A}">
+      <p15:sldGuideLst xmlns:p15="http://schemas.microsoft.com/office/powerpoint/2012/main">
+        <p15:guide id="1" orient="horz" pos="1488">
+          <p15:clr>
+            <a:srgbClr val="A4A3A4"/>
+          </p15:clr>
+        </p15:guide>
+        <p15:guide id="2" pos="2880">
+          <p15:clr>
+            <a:srgbClr val="A4A3A4"/>
+          </p15:clr>
+        </p15:guide>
+      </p15:sldGuideLst>
+    </p:ext>
+  </p:extLst>
 </p:presentation>
 </file>
 
@@ -192,6 +208,7 @@
           <a:p>
             <a:fld id="{F5CC4B3F-88C1-4FFA-B1B6-F41C21DC6924}" type="datetimeFigureOut">
               <a:rPr lang="en-US" smtClean="0"/>
+              <a:t>11/11/2018</a:t>
             </a:fld>
             <a:endParaRPr lang="en-US"/>
           </a:p>
@@ -258,7 +275,6 @@
               <a:rPr lang="en-US"/>
               <a:t>Click to edit Master text styles</a:t>
             </a:r>
-            <a:endParaRPr lang="en-US"/>
           </a:p>
           <a:p>
             <a:pPr lvl="1"/>
@@ -266,7 +282,6 @@
               <a:rPr lang="en-US"/>
               <a:t>Second level</a:t>
             </a:r>
-            <a:endParaRPr lang="en-US"/>
           </a:p>
           <a:p>
             <a:pPr lvl="2"/>
@@ -274,7 +289,6 @@
               <a:rPr lang="en-US"/>
               <a:t>Third level</a:t>
             </a:r>
-            <a:endParaRPr lang="en-US"/>
           </a:p>
           <a:p>
             <a:pPr lvl="3"/>
@@ -282,7 +296,6 @@
               <a:rPr lang="en-US"/>
               <a:t>Fourth level</a:t>
             </a:r>
-            <a:endParaRPr lang="en-US"/>
           </a:p>
           <a:p>
             <a:pPr lvl="4"/>
@@ -290,7 +303,6 @@
               <a:rPr lang="en-US"/>
               <a:t>Fifth level</a:t>
             </a:r>
-            <a:endParaRPr lang="en-US"/>
           </a:p>
         </p:txBody>
       </p:sp>
@@ -354,12 +366,18 @@
           <a:p>
             <a:fld id="{5A7AB025-77E3-4BD1-A2FD-B3183DBA47A3}" type="slidenum">
               <a:rPr lang="en-US" smtClean="0"/>
+              <a:t>‹#›</a:t>
             </a:fld>
             <a:endParaRPr lang="en-US"/>
           </a:p>
         </p:txBody>
       </p:sp>
     </p:spTree>
+    <p:extLst>
+      <p:ext uri="{BB962C8B-B14F-4D97-AF65-F5344CB8AC3E}">
+        <p14:creationId xmlns:p14="http://schemas.microsoft.com/office/powerpoint/2010/main" val="2023976206"/>
+      </p:ext>
+    </p:extLst>
   </p:cSld>
   <p:clrMap bg1="lt1" tx1="dk1" bg2="lt2" tx2="dk2" accent1="accent1" accent2="accent2" accent3="accent3" accent4="accent4" accent5="accent5" accent6="accent6" hlink="hlink" folHlink="folHlink"/>
   <p:notesStyle>
@@ -498,7 +516,6 @@
               <a:rPr lang="en-US"/>
               <a:t>Click to edit Master title style</a:t>
             </a:r>
-            <a:endParaRPr lang="en-US"/>
           </a:p>
         </p:txBody>
       </p:sp>
@@ -617,7 +634,6 @@
               <a:rPr lang="en-US"/>
               <a:t>Click to edit Master subtitle style</a:t>
             </a:r>
-            <a:endParaRPr lang="en-US"/>
           </a:p>
         </p:txBody>
       </p:sp>
@@ -638,6 +654,7 @@
           <a:p>
             <a:fld id="{78C97017-6FC3-485B-9764-EAC9E56C1D49}" type="datetimeFigureOut">
               <a:rPr lang="en-US" smtClean="0"/>
+              <a:t>11/11/2018</a:t>
             </a:fld>
             <a:endParaRPr lang="en-US"/>
           </a:p>
@@ -679,12 +696,18 @@
           <a:p>
             <a:fld id="{FB34683C-161B-4520-BF45-B179E228CF2A}" type="slidenum">
               <a:rPr lang="en-US" smtClean="0"/>
+              <a:t>‹#›</a:t>
             </a:fld>
             <a:endParaRPr lang="en-US"/>
           </a:p>
         </p:txBody>
       </p:sp>
     </p:spTree>
+    <p:extLst>
+      <p:ext uri="{BB962C8B-B14F-4D97-AF65-F5344CB8AC3E}">
+        <p14:creationId xmlns:p14="http://schemas.microsoft.com/office/powerpoint/2010/main" val="3246593157"/>
+      </p:ext>
+    </p:extLst>
   </p:cSld>
   <p:clrMapOvr>
     <a:masterClrMapping/>
@@ -728,7 +751,6 @@
               <a:rPr lang="en-US"/>
               <a:t>Click to edit Master title style</a:t>
             </a:r>
-            <a:endParaRPr lang="en-US"/>
           </a:p>
         </p:txBody>
       </p:sp>
@@ -752,7 +774,6 @@
               <a:rPr lang="en-US"/>
               <a:t>Click to edit Master text styles</a:t>
             </a:r>
-            <a:endParaRPr lang="en-US"/>
           </a:p>
           <a:p>
             <a:pPr lvl="1"/>
@@ -760,7 +781,6 @@
               <a:rPr lang="en-US"/>
               <a:t>Second level</a:t>
             </a:r>
-            <a:endParaRPr lang="en-US"/>
           </a:p>
           <a:p>
             <a:pPr lvl="2"/>
@@ -768,7 +788,6 @@
               <a:rPr lang="en-US"/>
               <a:t>Third level</a:t>
             </a:r>
-            <a:endParaRPr lang="en-US"/>
           </a:p>
           <a:p>
             <a:pPr lvl="3"/>
@@ -776,7 +795,6 @@
               <a:rPr lang="en-US"/>
               <a:t>Fourth level</a:t>
             </a:r>
-            <a:endParaRPr lang="en-US"/>
           </a:p>
           <a:p>
             <a:pPr lvl="4"/>
@@ -784,7 +802,6 @@
               <a:rPr lang="en-US"/>
               <a:t>Fifth level</a:t>
             </a:r>
-            <a:endParaRPr lang="en-US"/>
           </a:p>
         </p:txBody>
       </p:sp>
@@ -805,6 +822,7 @@
           <a:p>
             <a:fld id="{78C97017-6FC3-485B-9764-EAC9E56C1D49}" type="datetimeFigureOut">
               <a:rPr lang="en-US" smtClean="0"/>
+              <a:t>11/11/2018</a:t>
             </a:fld>
             <a:endParaRPr lang="en-US"/>
           </a:p>
@@ -846,12 +864,18 @@
           <a:p>
             <a:fld id="{FB34683C-161B-4520-BF45-B179E228CF2A}" type="slidenum">
               <a:rPr lang="en-US" smtClean="0"/>
+              <a:t>‹#›</a:t>
             </a:fld>
             <a:endParaRPr lang="en-US"/>
           </a:p>
         </p:txBody>
       </p:sp>
     </p:spTree>
+    <p:extLst>
+      <p:ext uri="{BB962C8B-B14F-4D97-AF65-F5344CB8AC3E}">
+        <p14:creationId xmlns:p14="http://schemas.microsoft.com/office/powerpoint/2010/main" val="2707025021"/>
+      </p:ext>
+    </p:extLst>
   </p:cSld>
   <p:clrMapOvr>
     <a:masterClrMapping/>
@@ -900,7 +924,6 @@
               <a:rPr lang="en-US"/>
               <a:t>Click to edit Master title style</a:t>
             </a:r>
-            <a:endParaRPr lang="en-US"/>
           </a:p>
         </p:txBody>
       </p:sp>
@@ -929,7 +952,6 @@
               <a:rPr lang="en-US"/>
               <a:t>Click to edit Master text styles</a:t>
             </a:r>
-            <a:endParaRPr lang="en-US"/>
           </a:p>
           <a:p>
             <a:pPr lvl="1"/>
@@ -937,7 +959,6 @@
               <a:rPr lang="en-US"/>
               <a:t>Second level</a:t>
             </a:r>
-            <a:endParaRPr lang="en-US"/>
           </a:p>
           <a:p>
             <a:pPr lvl="2"/>
@@ -945,7 +966,6 @@
               <a:rPr lang="en-US"/>
               <a:t>Third level</a:t>
             </a:r>
-            <a:endParaRPr lang="en-US"/>
           </a:p>
           <a:p>
             <a:pPr lvl="3"/>
@@ -953,7 +973,6 @@
               <a:rPr lang="en-US"/>
               <a:t>Fourth level</a:t>
             </a:r>
-            <a:endParaRPr lang="en-US"/>
           </a:p>
           <a:p>
             <a:pPr lvl="4"/>
@@ -961,7 +980,6 @@
               <a:rPr lang="en-US"/>
               <a:t>Fifth level</a:t>
             </a:r>
-            <a:endParaRPr lang="en-US"/>
           </a:p>
         </p:txBody>
       </p:sp>
@@ -982,6 +1000,7 @@
           <a:p>
             <a:fld id="{78C97017-6FC3-485B-9764-EAC9E56C1D49}" type="datetimeFigureOut">
               <a:rPr lang="en-US" smtClean="0"/>
+              <a:t>11/11/2018</a:t>
             </a:fld>
             <a:endParaRPr lang="en-US"/>
           </a:p>
@@ -1023,12 +1042,18 @@
           <a:p>
             <a:fld id="{FB34683C-161B-4520-BF45-B179E228CF2A}" type="slidenum">
               <a:rPr lang="en-US" smtClean="0"/>
+              <a:t>‹#›</a:t>
             </a:fld>
             <a:endParaRPr lang="en-US"/>
           </a:p>
         </p:txBody>
       </p:sp>
     </p:spTree>
+    <p:extLst>
+      <p:ext uri="{BB962C8B-B14F-4D97-AF65-F5344CB8AC3E}">
+        <p14:creationId xmlns:p14="http://schemas.microsoft.com/office/powerpoint/2010/main" val="568378986"/>
+      </p:ext>
+    </p:extLst>
   </p:cSld>
   <p:clrMapOvr>
     <a:masterClrMapping/>
@@ -1072,7 +1097,6 @@
               <a:rPr lang="en-US"/>
               <a:t>Click to edit Master title style</a:t>
             </a:r>
-            <a:endParaRPr lang="en-US"/>
           </a:p>
         </p:txBody>
       </p:sp>
@@ -1096,7 +1120,6 @@
               <a:rPr lang="en-US"/>
               <a:t>Click to edit Master text styles</a:t>
             </a:r>
-            <a:endParaRPr lang="en-US"/>
           </a:p>
           <a:p>
             <a:pPr lvl="1"/>
@@ -1104,7 +1127,6 @@
               <a:rPr lang="en-US"/>
               <a:t>Second level</a:t>
             </a:r>
-            <a:endParaRPr lang="en-US"/>
           </a:p>
           <a:p>
             <a:pPr lvl="2"/>
@@ -1112,7 +1134,6 @@
               <a:rPr lang="en-US"/>
               <a:t>Third level</a:t>
             </a:r>
-            <a:endParaRPr lang="en-US"/>
           </a:p>
           <a:p>
             <a:pPr lvl="3"/>
@@ -1120,7 +1141,6 @@
               <a:rPr lang="en-US"/>
               <a:t>Fourth level</a:t>
             </a:r>
-            <a:endParaRPr lang="en-US"/>
           </a:p>
           <a:p>
             <a:pPr lvl="4"/>
@@ -1128,7 +1148,6 @@
               <a:rPr lang="en-US"/>
               <a:t>Fifth level</a:t>
             </a:r>
-            <a:endParaRPr lang="en-US"/>
           </a:p>
         </p:txBody>
       </p:sp>
@@ -1149,6 +1168,7 @@
           <a:p>
             <a:fld id="{78C97017-6FC3-485B-9764-EAC9E56C1D49}" type="datetimeFigureOut">
               <a:rPr lang="en-US" smtClean="0"/>
+              <a:t>11/11/2018</a:t>
             </a:fld>
             <a:endParaRPr lang="en-US"/>
           </a:p>
@@ -1190,12 +1210,18 @@
           <a:p>
             <a:fld id="{FB34683C-161B-4520-BF45-B179E228CF2A}" type="slidenum">
               <a:rPr lang="en-US" smtClean="0"/>
+              <a:t>‹#›</a:t>
             </a:fld>
             <a:endParaRPr lang="en-US"/>
           </a:p>
         </p:txBody>
       </p:sp>
     </p:spTree>
+    <p:extLst>
+      <p:ext uri="{BB962C8B-B14F-4D97-AF65-F5344CB8AC3E}">
+        <p14:creationId xmlns:p14="http://schemas.microsoft.com/office/powerpoint/2010/main" val="266658052"/>
+      </p:ext>
+    </p:extLst>
   </p:cSld>
   <p:clrMapOvr>
     <a:masterClrMapping/>
@@ -1248,7 +1274,6 @@
               <a:rPr lang="en-US"/>
               <a:t>Click to edit Master title style</a:t>
             </a:r>
-            <a:endParaRPr lang="en-US"/>
           </a:p>
         </p:txBody>
       </p:sp>
@@ -1368,7 +1393,6 @@
               <a:rPr lang="en-US"/>
               <a:t>Click to edit Master text styles</a:t>
             </a:r>
-            <a:endParaRPr lang="en-US"/>
           </a:p>
         </p:txBody>
       </p:sp>
@@ -1389,6 +1413,7 @@
           <a:p>
             <a:fld id="{78C97017-6FC3-485B-9764-EAC9E56C1D49}" type="datetimeFigureOut">
               <a:rPr lang="en-US" smtClean="0"/>
+              <a:t>11/11/2018</a:t>
             </a:fld>
             <a:endParaRPr lang="en-US"/>
           </a:p>
@@ -1430,12 +1455,18 @@
           <a:p>
             <a:fld id="{FB34683C-161B-4520-BF45-B179E228CF2A}" type="slidenum">
               <a:rPr lang="en-US" smtClean="0"/>
+              <a:t>‹#›</a:t>
             </a:fld>
             <a:endParaRPr lang="en-US"/>
           </a:p>
         </p:txBody>
       </p:sp>
     </p:spTree>
+    <p:extLst>
+      <p:ext uri="{BB962C8B-B14F-4D97-AF65-F5344CB8AC3E}">
+        <p14:creationId xmlns:p14="http://schemas.microsoft.com/office/powerpoint/2010/main" val="474686344"/>
+      </p:ext>
+    </p:extLst>
   </p:cSld>
   <p:clrMapOvr>
     <a:masterClrMapping/>
@@ -1479,7 +1510,6 @@
               <a:rPr lang="en-US"/>
               <a:t>Click to edit Master title style</a:t>
             </a:r>
-            <a:endParaRPr lang="en-US"/>
           </a:p>
         </p:txBody>
       </p:sp>
@@ -1536,7 +1566,6 @@
               <a:rPr lang="en-US"/>
               <a:t>Click to edit Master text styles</a:t>
             </a:r>
-            <a:endParaRPr lang="en-US"/>
           </a:p>
           <a:p>
             <a:pPr lvl="1"/>
@@ -1544,7 +1573,6 @@
               <a:rPr lang="en-US"/>
               <a:t>Second level</a:t>
             </a:r>
-            <a:endParaRPr lang="en-US"/>
           </a:p>
           <a:p>
             <a:pPr lvl="2"/>
@@ -1552,7 +1580,6 @@
               <a:rPr lang="en-US"/>
               <a:t>Third level</a:t>
             </a:r>
-            <a:endParaRPr lang="en-US"/>
           </a:p>
           <a:p>
             <a:pPr lvl="3"/>
@@ -1560,7 +1587,6 @@
               <a:rPr lang="en-US"/>
               <a:t>Fourth level</a:t>
             </a:r>
-            <a:endParaRPr lang="en-US"/>
           </a:p>
           <a:p>
             <a:pPr lvl="4"/>
@@ -1568,7 +1594,6 @@
               <a:rPr lang="en-US"/>
               <a:t>Fifth level</a:t>
             </a:r>
-            <a:endParaRPr lang="en-US"/>
           </a:p>
         </p:txBody>
       </p:sp>
@@ -1625,7 +1650,6 @@
               <a:rPr lang="en-US"/>
               <a:t>Click to edit Master text styles</a:t>
             </a:r>
-            <a:endParaRPr lang="en-US"/>
           </a:p>
           <a:p>
             <a:pPr lvl="1"/>
@@ -1633,7 +1657,6 @@
               <a:rPr lang="en-US"/>
               <a:t>Second level</a:t>
             </a:r>
-            <a:endParaRPr lang="en-US"/>
           </a:p>
           <a:p>
             <a:pPr lvl="2"/>
@@ -1641,7 +1664,6 @@
               <a:rPr lang="en-US"/>
               <a:t>Third level</a:t>
             </a:r>
-            <a:endParaRPr lang="en-US"/>
           </a:p>
           <a:p>
             <a:pPr lvl="3"/>
@@ -1649,7 +1671,6 @@
               <a:rPr lang="en-US"/>
               <a:t>Fourth level</a:t>
             </a:r>
-            <a:endParaRPr lang="en-US"/>
           </a:p>
           <a:p>
             <a:pPr lvl="4"/>
@@ -1657,7 +1678,6 @@
               <a:rPr lang="en-US"/>
               <a:t>Fifth level</a:t>
             </a:r>
-            <a:endParaRPr lang="en-US"/>
           </a:p>
         </p:txBody>
       </p:sp>
@@ -1678,6 +1698,7 @@
           <a:p>
             <a:fld id="{78C97017-6FC3-485B-9764-EAC9E56C1D49}" type="datetimeFigureOut">
               <a:rPr lang="en-US" smtClean="0"/>
+              <a:t>11/11/2018</a:t>
             </a:fld>
             <a:endParaRPr lang="en-US"/>
           </a:p>
@@ -1719,12 +1740,18 @@
           <a:p>
             <a:fld id="{FB34683C-161B-4520-BF45-B179E228CF2A}" type="slidenum">
               <a:rPr lang="en-US" smtClean="0"/>
+              <a:t>‹#›</a:t>
             </a:fld>
             <a:endParaRPr lang="en-US"/>
           </a:p>
         </p:txBody>
       </p:sp>
     </p:spTree>
+    <p:extLst>
+      <p:ext uri="{BB962C8B-B14F-4D97-AF65-F5344CB8AC3E}">
+        <p14:creationId xmlns:p14="http://schemas.microsoft.com/office/powerpoint/2010/main" val="562293251"/>
+      </p:ext>
+    </p:extLst>
   </p:cSld>
   <p:clrMapOvr>
     <a:masterClrMapping/>
@@ -1772,7 +1799,6 @@
               <a:rPr lang="en-US"/>
               <a:t>Click to edit Master title style</a:t>
             </a:r>
-            <a:endParaRPr lang="en-US"/>
           </a:p>
         </p:txBody>
       </p:sp>
@@ -1838,7 +1864,6 @@
               <a:rPr lang="en-US"/>
               <a:t>Click to edit Master text styles</a:t>
             </a:r>
-            <a:endParaRPr lang="en-US"/>
           </a:p>
         </p:txBody>
       </p:sp>
@@ -1895,7 +1920,6 @@
               <a:rPr lang="en-US"/>
               <a:t>Click to edit Master text styles</a:t>
             </a:r>
-            <a:endParaRPr lang="en-US"/>
           </a:p>
           <a:p>
             <a:pPr lvl="1"/>
@@ -1903,7 +1927,6 @@
               <a:rPr lang="en-US"/>
               <a:t>Second level</a:t>
             </a:r>
-            <a:endParaRPr lang="en-US"/>
           </a:p>
           <a:p>
             <a:pPr lvl="2"/>
@@ -1911,7 +1934,6 @@
               <a:rPr lang="en-US"/>
               <a:t>Third level</a:t>
             </a:r>
-            <a:endParaRPr lang="en-US"/>
           </a:p>
           <a:p>
             <a:pPr lvl="3"/>
@@ -1919,7 +1941,6 @@
               <a:rPr lang="en-US"/>
               <a:t>Fourth level</a:t>
             </a:r>
-            <a:endParaRPr lang="en-US"/>
           </a:p>
           <a:p>
             <a:pPr lvl="4"/>
@@ -1927,7 +1948,6 @@
               <a:rPr lang="en-US"/>
               <a:t>Fifth level</a:t>
             </a:r>
-            <a:endParaRPr lang="en-US"/>
           </a:p>
         </p:txBody>
       </p:sp>
@@ -1993,7 +2013,6 @@
               <a:rPr lang="en-US"/>
               <a:t>Click to edit Master text styles</a:t>
             </a:r>
-            <a:endParaRPr lang="en-US"/>
           </a:p>
         </p:txBody>
       </p:sp>
@@ -2050,7 +2069,6 @@
               <a:rPr lang="en-US"/>
               <a:t>Click to edit Master text styles</a:t>
             </a:r>
-            <a:endParaRPr lang="en-US"/>
           </a:p>
           <a:p>
             <a:pPr lvl="1"/>
@@ -2058,7 +2076,6 @@
               <a:rPr lang="en-US"/>
               <a:t>Second level</a:t>
             </a:r>
-            <a:endParaRPr lang="en-US"/>
           </a:p>
           <a:p>
             <a:pPr lvl="2"/>
@@ -2066,7 +2083,6 @@
               <a:rPr lang="en-US"/>
               <a:t>Third level</a:t>
             </a:r>
-            <a:endParaRPr lang="en-US"/>
           </a:p>
           <a:p>
             <a:pPr lvl="3"/>
@@ -2074,7 +2090,6 @@
               <a:rPr lang="en-US"/>
               <a:t>Fourth level</a:t>
             </a:r>
-            <a:endParaRPr lang="en-US"/>
           </a:p>
           <a:p>
             <a:pPr lvl="4"/>
@@ -2082,7 +2097,6 @@
               <a:rPr lang="en-US"/>
               <a:t>Fifth level</a:t>
             </a:r>
-            <a:endParaRPr lang="en-US"/>
           </a:p>
         </p:txBody>
       </p:sp>
@@ -2103,6 +2117,7 @@
           <a:p>
             <a:fld id="{78C97017-6FC3-485B-9764-EAC9E56C1D49}" type="datetimeFigureOut">
               <a:rPr lang="en-US" smtClean="0"/>
+              <a:t>11/11/2018</a:t>
             </a:fld>
             <a:endParaRPr lang="en-US"/>
           </a:p>
@@ -2144,12 +2159,18 @@
           <a:p>
             <a:fld id="{FB34683C-161B-4520-BF45-B179E228CF2A}" type="slidenum">
               <a:rPr lang="en-US" smtClean="0"/>
+              <a:t>‹#›</a:t>
             </a:fld>
             <a:endParaRPr lang="en-US"/>
           </a:p>
         </p:txBody>
       </p:sp>
     </p:spTree>
+    <p:extLst>
+      <p:ext uri="{BB962C8B-B14F-4D97-AF65-F5344CB8AC3E}">
+        <p14:creationId xmlns:p14="http://schemas.microsoft.com/office/powerpoint/2010/main" val="1126424250"/>
+      </p:ext>
+    </p:extLst>
   </p:cSld>
   <p:clrMapOvr>
     <a:masterClrMapping/>
@@ -2193,7 +2214,6 @@
               <a:rPr lang="en-US"/>
               <a:t>Click to edit Master title style</a:t>
             </a:r>
-            <a:endParaRPr lang="en-US"/>
           </a:p>
         </p:txBody>
       </p:sp>
@@ -2214,6 +2234,7 @@
           <a:p>
             <a:fld id="{78C97017-6FC3-485B-9764-EAC9E56C1D49}" type="datetimeFigureOut">
               <a:rPr lang="en-US" smtClean="0"/>
+              <a:t>11/11/2018</a:t>
             </a:fld>
             <a:endParaRPr lang="en-US"/>
           </a:p>
@@ -2255,12 +2276,18 @@
           <a:p>
             <a:fld id="{FB34683C-161B-4520-BF45-B179E228CF2A}" type="slidenum">
               <a:rPr lang="en-US" smtClean="0"/>
+              <a:t>‹#›</a:t>
             </a:fld>
             <a:endParaRPr lang="en-US"/>
           </a:p>
         </p:txBody>
       </p:sp>
     </p:spTree>
+    <p:extLst>
+      <p:ext uri="{BB962C8B-B14F-4D97-AF65-F5344CB8AC3E}">
+        <p14:creationId xmlns:p14="http://schemas.microsoft.com/office/powerpoint/2010/main" val="4159724230"/>
+      </p:ext>
+    </p:extLst>
   </p:cSld>
   <p:clrMapOvr>
     <a:masterClrMapping/>
@@ -2302,6 +2329,7 @@
           <a:p>
             <a:fld id="{78C97017-6FC3-485B-9764-EAC9E56C1D49}" type="datetimeFigureOut">
               <a:rPr lang="en-US" smtClean="0"/>
+              <a:t>11/11/2018</a:t>
             </a:fld>
             <a:endParaRPr lang="en-US"/>
           </a:p>
@@ -2343,12 +2371,18 @@
           <a:p>
             <a:fld id="{FB34683C-161B-4520-BF45-B179E228CF2A}" type="slidenum">
               <a:rPr lang="en-US" smtClean="0"/>
+              <a:t>‹#›</a:t>
             </a:fld>
             <a:endParaRPr lang="en-US"/>
           </a:p>
         </p:txBody>
       </p:sp>
     </p:spTree>
+    <p:extLst>
+      <p:ext uri="{BB962C8B-B14F-4D97-AF65-F5344CB8AC3E}">
+        <p14:creationId xmlns:p14="http://schemas.microsoft.com/office/powerpoint/2010/main" val="1793928710"/>
+      </p:ext>
+    </p:extLst>
   </p:cSld>
   <p:clrMapOvr>
     <a:masterClrMapping/>
@@ -2401,7 +2435,6 @@
               <a:rPr lang="en-US"/>
               <a:t>Click to edit Master title style</a:t>
             </a:r>
-            <a:endParaRPr lang="en-US"/>
           </a:p>
         </p:txBody>
       </p:sp>
@@ -2458,7 +2491,6 @@
               <a:rPr lang="en-US"/>
               <a:t>Click to edit Master text styles</a:t>
             </a:r>
-            <a:endParaRPr lang="en-US"/>
           </a:p>
           <a:p>
             <a:pPr lvl="1"/>
@@ -2466,7 +2498,6 @@
               <a:rPr lang="en-US"/>
               <a:t>Second level</a:t>
             </a:r>
-            <a:endParaRPr lang="en-US"/>
           </a:p>
           <a:p>
             <a:pPr lvl="2"/>
@@ -2474,7 +2505,6 @@
               <a:rPr lang="en-US"/>
               <a:t>Third level</a:t>
             </a:r>
-            <a:endParaRPr lang="en-US"/>
           </a:p>
           <a:p>
             <a:pPr lvl="3"/>
@@ -2482,7 +2512,6 @@
               <a:rPr lang="en-US"/>
               <a:t>Fourth level</a:t>
             </a:r>
-            <a:endParaRPr lang="en-US"/>
           </a:p>
           <a:p>
             <a:pPr lvl="4"/>
@@ -2490,7 +2519,6 @@
               <a:rPr lang="en-US"/>
               <a:t>Fifth level</a:t>
             </a:r>
-            <a:endParaRPr lang="en-US"/>
           </a:p>
         </p:txBody>
       </p:sp>
@@ -2556,7 +2584,6 @@
               <a:rPr lang="en-US"/>
               <a:t>Click to edit Master text styles</a:t>
             </a:r>
-            <a:endParaRPr lang="en-US"/>
           </a:p>
         </p:txBody>
       </p:sp>
@@ -2577,6 +2604,7 @@
           <a:p>
             <a:fld id="{78C97017-6FC3-485B-9764-EAC9E56C1D49}" type="datetimeFigureOut">
               <a:rPr lang="en-US" smtClean="0"/>
+              <a:t>11/11/2018</a:t>
             </a:fld>
             <a:endParaRPr lang="en-US"/>
           </a:p>
@@ -2618,12 +2646,18 @@
           <a:p>
             <a:fld id="{FB34683C-161B-4520-BF45-B179E228CF2A}" type="slidenum">
               <a:rPr lang="en-US" smtClean="0"/>
+              <a:t>‹#›</a:t>
             </a:fld>
             <a:endParaRPr lang="en-US"/>
           </a:p>
         </p:txBody>
       </p:sp>
     </p:spTree>
+    <p:extLst>
+      <p:ext uri="{BB962C8B-B14F-4D97-AF65-F5344CB8AC3E}">
+        <p14:creationId xmlns:p14="http://schemas.microsoft.com/office/powerpoint/2010/main" val="2076802089"/>
+      </p:ext>
+    </p:extLst>
   </p:cSld>
   <p:clrMapOvr>
     <a:masterClrMapping/>
@@ -2676,7 +2710,6 @@
               <a:rPr lang="en-US"/>
               <a:t>Click to edit Master title style</a:t>
             </a:r>
-            <a:endParaRPr lang="en-US"/>
           </a:p>
         </p:txBody>
       </p:sp>
@@ -2803,7 +2836,6 @@
               <a:rPr lang="en-US"/>
               <a:t>Click to edit Master text styles</a:t>
             </a:r>
-            <a:endParaRPr lang="en-US"/>
           </a:p>
         </p:txBody>
       </p:sp>
@@ -2824,6 +2856,7 @@
           <a:p>
             <a:fld id="{78C97017-6FC3-485B-9764-EAC9E56C1D49}" type="datetimeFigureOut">
               <a:rPr lang="en-US" smtClean="0"/>
+              <a:t>11/11/2018</a:t>
             </a:fld>
             <a:endParaRPr lang="en-US"/>
           </a:p>
@@ -2865,12 +2898,18 @@
           <a:p>
             <a:fld id="{FB34683C-161B-4520-BF45-B179E228CF2A}" type="slidenum">
               <a:rPr lang="en-US" smtClean="0"/>
+              <a:t>‹#›</a:t>
             </a:fld>
             <a:endParaRPr lang="en-US"/>
           </a:p>
         </p:txBody>
       </p:sp>
     </p:spTree>
+    <p:extLst>
+      <p:ext uri="{BB962C8B-B14F-4D97-AF65-F5344CB8AC3E}">
+        <p14:creationId xmlns:p14="http://schemas.microsoft.com/office/powerpoint/2010/main" val="201835938"/>
+      </p:ext>
+    </p:extLst>
   </p:cSld>
   <p:clrMapOvr>
     <a:masterClrMapping/>
@@ -2929,7 +2968,6 @@
               <a:rPr lang="en-US"/>
               <a:t>Click to edit Master title style</a:t>
             </a:r>
-            <a:endParaRPr lang="en-US"/>
           </a:p>
         </p:txBody>
       </p:sp>
@@ -2963,7 +3001,6 @@
               <a:rPr lang="en-US"/>
               <a:t>Click to edit Master text styles</a:t>
             </a:r>
-            <a:endParaRPr lang="en-US"/>
           </a:p>
           <a:p>
             <a:pPr lvl="1"/>
@@ -2971,7 +3008,6 @@
               <a:rPr lang="en-US"/>
               <a:t>Second level</a:t>
             </a:r>
-            <a:endParaRPr lang="en-US"/>
           </a:p>
           <a:p>
             <a:pPr lvl="2"/>
@@ -2979,7 +3015,6 @@
               <a:rPr lang="en-US"/>
               <a:t>Third level</a:t>
             </a:r>
-            <a:endParaRPr lang="en-US"/>
           </a:p>
           <a:p>
             <a:pPr lvl="3"/>
@@ -2987,7 +3022,6 @@
               <a:rPr lang="en-US"/>
               <a:t>Fourth level</a:t>
             </a:r>
-            <a:endParaRPr lang="en-US"/>
           </a:p>
           <a:p>
             <a:pPr lvl="4"/>
@@ -2995,7 +3029,6 @@
               <a:rPr lang="en-US"/>
               <a:t>Fifth level</a:t>
             </a:r>
-            <a:endParaRPr lang="en-US"/>
           </a:p>
         </p:txBody>
       </p:sp>
@@ -3034,6 +3067,7 @@
           <a:p>
             <a:fld id="{78C97017-6FC3-485B-9764-EAC9E56C1D49}" type="datetimeFigureOut">
               <a:rPr lang="en-US" smtClean="0"/>
+              <a:t>11/11/2018</a:t>
             </a:fld>
             <a:endParaRPr lang="en-US"/>
           </a:p>
@@ -3111,12 +3145,18 @@
           <a:p>
             <a:fld id="{FB34683C-161B-4520-BF45-B179E228CF2A}" type="slidenum">
               <a:rPr lang="en-US" smtClean="0"/>
+              <a:t>‹#›</a:t>
             </a:fld>
             <a:endParaRPr lang="en-US"/>
           </a:p>
         </p:txBody>
       </p:sp>
     </p:spTree>
+    <p:extLst>
+      <p:ext uri="{BB962C8B-B14F-4D97-AF65-F5344CB8AC3E}">
+        <p14:creationId xmlns:p14="http://schemas.microsoft.com/office/powerpoint/2010/main" val="2341400630"/>
+      </p:ext>
+    </p:extLst>
   </p:cSld>
   <p:clrMap bg1="lt1" tx1="dk1" bg2="lt2" tx2="dk2" accent1="accent1" accent2="accent2" accent3="accent3" accent4="accent4" accent5="accent5" accent6="accent6" hlink="hlink" folHlink="folHlink"/>
   <p:sldLayoutIdLst>
@@ -3404,14 +3444,75 @@
       </p:grpSpPr>
       <p:sp>
         <p:nvSpPr>
+          <p:cNvPr id="56" name="Rectangle 65"/>
+          <p:cNvSpPr/>
+          <p:nvPr/>
+        </p:nvSpPr>
+        <p:spPr>
+          <a:xfrm>
+            <a:off x="6479045" y="115846"/>
+            <a:ext cx="5789155" cy="6589753"/>
+          </a:xfrm>
+          <a:prstGeom prst="roundRect">
+            <a:avLst>
+              <a:gd name="adj" fmla="val 3484"/>
+            </a:avLst>
+          </a:prstGeom>
+          <a:solidFill>
+            <a:schemeClr val="accent4">
+              <a:lumMod val="20000"/>
+              <a:lumOff val="80000"/>
+            </a:schemeClr>
+          </a:solidFill>
+          <a:ln w="19050">
+            <a:noFill/>
+          </a:ln>
+          <a:effectLst/>
+        </p:spPr>
+        <p:style>
+          <a:lnRef idx="1">
+            <a:schemeClr val="accent2"/>
+          </a:lnRef>
+          <a:fillRef idx="2">
+            <a:schemeClr val="accent2"/>
+          </a:fillRef>
+          <a:effectRef idx="1">
+            <a:schemeClr val="accent2"/>
+          </a:effectRef>
+          <a:fontRef idx="minor">
+            <a:schemeClr val="dk1"/>
+          </a:fontRef>
+        </p:style>
+        <p:txBody>
+          <a:bodyPr rtlCol="0" anchor="t"/>
+          <a:lstStyle/>
+          <a:p>
+            <a:r>
+              <a:rPr lang="en-US" sz="1200" b="1" dirty="0">
+                <a:solidFill>
+                  <a:srgbClr val="7030A0"/>
+                </a:solidFill>
+              </a:rPr>
+              <a:t>Model</a:t>
+            </a:r>
+            <a:endParaRPr lang="en-SG" sz="1200" b="1" dirty="0">
+              <a:solidFill>
+                <a:srgbClr val="7030A0"/>
+              </a:solidFill>
+            </a:endParaRPr>
+          </a:p>
+        </p:txBody>
+      </p:sp>
+      <p:sp>
+        <p:nvSpPr>
           <p:cNvPr id="81" name="Rectangle 65"/>
           <p:cNvSpPr/>
           <p:nvPr/>
         </p:nvSpPr>
         <p:spPr>
           <a:xfrm>
-            <a:off x="476250" y="163195"/>
-            <a:ext cx="8125460" cy="4343400"/>
+            <a:off x="505206" y="173373"/>
+            <a:ext cx="5863964" cy="6532226"/>
           </a:xfrm>
           <a:prstGeom prst="roundRect">
             <a:avLst>
@@ -3512,15 +3613,7 @@
                   <a:schemeClr val="bg1"/>
                 </a:solidFill>
               </a:rPr>
-              <a:t>:Logic</a:t>
-            </a:r>
-            <a:r>
-              <a:rPr lang="en-US" sz="1600" dirty="0" err="1">
-                <a:solidFill>
-                  <a:schemeClr val="bg1"/>
-                </a:solidFill>
-              </a:rPr>
-              <a:t>Manager</a:t>
+              <a:t>:LogicManager</a:t>
             </a:r>
             <a:endParaRPr lang="en-SG" sz="1600" dirty="0">
               <a:solidFill>
@@ -3533,13 +3626,15 @@
       <p:cxnSp>
         <p:nvCxnSpPr>
           <p:cNvPr id="5" name="Straight Connector 4"/>
-          <p:cNvCxnSpPr/>
+          <p:cNvCxnSpPr>
+            <a:cxnSpLocks/>
+          </p:cNvCxnSpPr>
           <p:nvPr/>
         </p:nvCxnSpPr>
         <p:spPr>
-          <a:xfrm>
-            <a:off x="1610959" y="907617"/>
-            <a:ext cx="0" cy="3481399"/>
+          <a:xfrm flipH="1">
+            <a:off x="1577050" y="907617"/>
+            <a:ext cx="33909" cy="5721783"/>
           </a:xfrm>
           <a:prstGeom prst="line">
             <a:avLst/>
@@ -3575,8 +3670,8 @@
         </p:nvSpPr>
         <p:spPr>
           <a:xfrm>
-            <a:off x="1538951" y="1258311"/>
-            <a:ext cx="152400" cy="2932689"/>
+            <a:off x="1513024" y="1258311"/>
+            <a:ext cx="178327" cy="5218687"/>
           </a:xfrm>
           <a:prstGeom prst="rect">
             <a:avLst/>
@@ -3665,16 +3760,11 @@
               </a:rPr>
               <a:t>:Workout</a:t>
             </a:r>
-            <a:endParaRPr lang="en-US" sz="1600" dirty="0">
-              <a:solidFill>
-                <a:schemeClr val="bg1"/>
-              </a:solidFill>
-            </a:endParaRPr>
           </a:p>
           <a:p>
             <a:pPr algn="ctr"/>
             <a:r>
-              <a:rPr lang="en-US" sz="1600" dirty="0" err="1">
+              <a:rPr lang="en-US" sz="1600" dirty="0">
                 <a:solidFill>
                   <a:schemeClr val="bg1"/>
                 </a:solidFill>
@@ -3692,7 +3782,9 @@
       <p:cxnSp>
         <p:nvCxnSpPr>
           <p:cNvPr id="17" name="Straight Connector 16"/>
-          <p:cNvCxnSpPr/>
+          <p:cNvCxnSpPr>
+            <a:cxnSpLocks/>
+          </p:cNvCxnSpPr>
           <p:nvPr/>
         </p:nvCxnSpPr>
         <p:spPr>
@@ -3734,8 +3826,8 @@
         </p:nvSpPr>
         <p:spPr>
           <a:xfrm>
-            <a:off x="3978275" y="1365885"/>
-            <a:ext cx="154305" cy="969010"/>
+            <a:off x="3978580" y="1365810"/>
+            <a:ext cx="154408" cy="767790"/>
           </a:xfrm>
           <a:prstGeom prst="rect">
             <a:avLst/>
@@ -3781,14 +3873,15 @@
         <p:nvCxnSpPr>
           <p:cNvPr id="20" name="Straight Connector 19"/>
           <p:cNvCxnSpPr>
-            <a:endCxn id="4" idx="2"/>
+            <a:cxnSpLocks/>
+            <a:stCxn id="21" idx="0"/>
           </p:cNvCxnSpPr>
           <p:nvPr/>
         </p:nvCxnSpPr>
         <p:spPr>
           <a:xfrm>
-            <a:off x="5575935" y="1519555"/>
-            <a:ext cx="17780" cy="1132205"/>
+            <a:off x="5602082" y="1613633"/>
+            <a:ext cx="0" cy="4939567"/>
           </a:xfrm>
           <a:prstGeom prst="line">
             <a:avLst/>
@@ -3908,7 +4001,7 @@
         <p:spPr>
           <a:xfrm>
             <a:off x="38100" y="990600"/>
-            <a:ext cx="1369060" cy="610870"/>
+            <a:ext cx="1424846" cy="215444"/>
           </a:xfrm>
           <a:prstGeom prst="rect">
             <a:avLst/>
@@ -3923,66 +4016,13 @@
           <a:p>
             <a:pPr algn="r"/>
             <a:r>
-              <a:rPr lang="en-US" sz="1000" dirty="0">
+              <a:rPr lang="en-US" sz="1400" dirty="0">
                 <a:solidFill>
                   <a:srgbClr val="0070C0"/>
                 </a:solidFill>
               </a:rPr>
-              <a:t>execute(“filter</a:t>
-            </a:r>
-            <a:endParaRPr lang="en-US" sz="1000" dirty="0">
-              <a:solidFill>
-                <a:srgbClr val="0070C0"/>
-              </a:solidFill>
-            </a:endParaRPr>
-          </a:p>
-          <a:p>
-            <a:pPr algn="r"/>
-            <a:r>
-              <a:rPr lang="en-US" sz="1000" dirty="0">
-                <a:solidFill>
-                  <a:srgbClr val="0070C0"/>
-                </a:solidFill>
-              </a:rPr>
-              <a:t>type/strength </a:t>
-            </a:r>
-            <a:endParaRPr lang="en-US" sz="1000" dirty="0">
-              <a:solidFill>
-                <a:srgbClr val="0070C0"/>
-              </a:solidFill>
-            </a:endParaRPr>
-          </a:p>
-          <a:p>
-            <a:pPr algn="r"/>
-            <a:r>
-              <a:rPr lang="en-US" sz="1000" dirty="0">
-                <a:solidFill>
-                  <a:srgbClr val="0070C0"/>
-                </a:solidFill>
-              </a:rPr>
-              <a:t>duration/20m</a:t>
-            </a:r>
-            <a:endParaRPr lang="en-US" sz="1000" dirty="0">
-              <a:solidFill>
-                <a:srgbClr val="0070C0"/>
-              </a:solidFill>
-            </a:endParaRPr>
-          </a:p>
-          <a:p>
-            <a:pPr algn="r"/>
-            <a:r>
-              <a:rPr lang="en-US" sz="1000" dirty="0">
-                <a:solidFill>
-                  <a:srgbClr val="0070C0"/>
-                </a:solidFill>
-              </a:rPr>
-              <a:t>equipment/dumbbell”)</a:t>
-            </a:r>
-            <a:endParaRPr lang="en-US" sz="1000" dirty="0">
-              <a:solidFill>
-                <a:srgbClr val="0070C0"/>
-              </a:solidFill>
-            </a:endParaRPr>
+              <a:t>execute(“undo”)</a:t>
+            </a:r>
           </a:p>
         </p:txBody>
       </p:sp>
@@ -3994,7 +4034,7 @@
         </p:nvCxnSpPr>
         <p:spPr>
           <a:xfrm flipV="1">
-            <a:off x="4132797" y="1512340"/>
+            <a:off x="4135972" y="1512340"/>
             <a:ext cx="922392" cy="1"/>
           </a:xfrm>
           <a:prstGeom prst="straightConnector1">
@@ -4059,7 +4099,6 @@
               <a:rPr lang="en-US" dirty="0"/>
               <a:t>execute()</a:t>
             </a:r>
-            <a:endParaRPr lang="en-US" dirty="0"/>
           </a:p>
         </p:txBody>
       </p:sp>
@@ -4104,12 +4143,14 @@
       <p:cxnSp>
         <p:nvCxnSpPr>
           <p:cNvPr id="35" name="Straight Arrow Connector 34"/>
-          <p:cNvCxnSpPr/>
+          <p:cNvCxnSpPr>
+            <a:cxnSpLocks/>
+          </p:cNvCxnSpPr>
           <p:nvPr/>
         </p:nvCxnSpPr>
         <p:spPr>
           <a:xfrm>
-            <a:off x="1691351" y="2334895"/>
+            <a:off x="1691351" y="2133600"/>
             <a:ext cx="2348067" cy="0"/>
           </a:xfrm>
           <a:prstGeom prst="straightConnector1">
@@ -4147,7 +4188,7 @@
         </p:nvCxnSpPr>
         <p:spPr>
           <a:xfrm>
-            <a:off x="380999" y="4191000"/>
+            <a:off x="380999" y="6471920"/>
             <a:ext cx="1196051" cy="0"/>
           </a:xfrm>
           <a:prstGeom prst="straightConnector1">
@@ -4185,8 +4226,8 @@
         </p:nvSpPr>
         <p:spPr>
           <a:xfrm>
-            <a:off x="7576268" y="2731313"/>
-            <a:ext cx="161322" cy="1307285"/>
+            <a:off x="5509483" y="2731313"/>
+            <a:ext cx="178327" cy="3634417"/>
           </a:xfrm>
           <a:prstGeom prst="rect">
             <a:avLst/>
@@ -4226,14 +4267,14 @@
       </p:sp>
       <p:sp>
         <p:nvSpPr>
-          <p:cNvPr id="80" name="TextBox 79"/>
+          <p:cNvPr id="79" name="TextBox 78"/>
           <p:cNvSpPr txBox="1"/>
           <p:nvPr/>
         </p:nvSpPr>
         <p:spPr>
           <a:xfrm>
-            <a:off x="2031365" y="1002665"/>
-            <a:ext cx="1609725" cy="610870"/>
+            <a:off x="5423061" y="2749363"/>
+            <a:ext cx="1298078" cy="184666"/>
           </a:xfrm>
           <a:prstGeom prst="rect">
             <a:avLst/>
@@ -4257,53 +4298,38 @@
             </a:lvl1pPr>
           </a:lstStyle>
           <a:p>
-            <a:pPr algn="r"/>
-            <a:r>
-              <a:rPr lang="en-US" sz="1000" dirty="0" err="1"/>
-              <a:t>parseCommand</a:t>
-            </a:r>
-            <a:r>
-              <a:rPr lang="en-US" sz="1000" dirty="0"/>
-              <a:t>(“filter</a:t>
-            </a:r>
-            <a:endParaRPr lang="en-US" sz="1000" dirty="0"/>
-          </a:p>
-          <a:p>
-            <a:pPr algn="r"/>
-            <a:r>
-              <a:rPr lang="en-US" sz="1000" dirty="0"/>
-              <a:t>type/strength</a:t>
-            </a:r>
-            <a:endParaRPr lang="en-US" sz="1000" dirty="0"/>
-          </a:p>
-          <a:p>
-            <a:pPr algn="r"/>
-            <a:r>
-              <a:rPr lang="en-US" sz="1000" dirty="0"/>
-              <a:t>duration/20m</a:t>
-            </a:r>
-            <a:endParaRPr lang="en-US" sz="1000" dirty="0"/>
-          </a:p>
-          <a:p>
-            <a:pPr algn="r"/>
-            <a:r>
-              <a:rPr lang="en-US" sz="1000" dirty="0"/>
-              <a:t>equipment/dumbbell”)</a:t>
-            </a:r>
-            <a:endParaRPr lang="en-US" sz="1000" dirty="0"/>
-          </a:p>
-        </p:txBody>
-      </p:sp>
-      <p:sp>
-        <p:nvSpPr>
-          <p:cNvPr id="82" name="TextBox 81"/>
+            <a:r>
+              <a:rPr lang="en-US" sz="1200" dirty="0">
+                <a:solidFill>
+                  <a:schemeClr val="accent4">
+                    <a:lumMod val="75000"/>
+                  </a:schemeClr>
+                </a:solidFill>
+              </a:rPr>
+              <a:t>undo</a:t>
+            </a:r>
+            <a:r>
+              <a:rPr lang="en-US" sz="1200" dirty="0">
+                <a:solidFill>
+                  <a:srgbClr val="7030A0"/>
+                </a:solidFill>
+              </a:rPr>
+              <a:t>Model()</a:t>
+            </a:r>
+            <a:endParaRPr lang="en-US" sz="1200" dirty="0"/>
+          </a:p>
+        </p:txBody>
+      </p:sp>
+      <p:sp>
+        <p:nvSpPr>
+          <p:cNvPr id="80" name="TextBox 79"/>
           <p:cNvSpPr txBox="1"/>
           <p:nvPr/>
         </p:nvSpPr>
         <p:spPr>
           <a:xfrm>
-            <a:off x="3272755" y="3791076"/>
-            <a:ext cx="621216" cy="215444"/>
+            <a:off x="1885189" y="1106150"/>
+            <a:ext cx="1899551" cy="215444"/>
           </a:xfrm>
           <a:prstGeom prst="rect">
             <a:avLst/>
@@ -4329,22 +4355,21 @@
           <a:p>
             <a:r>
               <a:rPr lang="en-US" dirty="0"/>
-              <a:t>result</a:t>
-            </a:r>
-            <a:endParaRPr lang="en-US" dirty="0"/>
-          </a:p>
-        </p:txBody>
-      </p:sp>
-      <p:sp>
-        <p:nvSpPr>
-          <p:cNvPr id="83" name="TextBox 82"/>
+              <a:t>parseCommand(“undo”)</a:t>
+            </a:r>
+          </a:p>
+        </p:txBody>
+      </p:sp>
+      <p:sp>
+        <p:nvSpPr>
+          <p:cNvPr id="82" name="TextBox 81"/>
           <p:cNvSpPr txBox="1"/>
           <p:nvPr/>
         </p:nvSpPr>
         <p:spPr>
           <a:xfrm>
-            <a:off x="645270" y="3945901"/>
-            <a:ext cx="762000" cy="215444"/>
+            <a:off x="3214529" y="6144716"/>
+            <a:ext cx="621216" cy="215444"/>
           </a:xfrm>
           <a:prstGeom prst="rect">
             <a:avLst/>
@@ -4372,20 +4397,19 @@
               <a:rPr lang="en-US" dirty="0"/>
               <a:t>result</a:t>
             </a:r>
-            <a:endParaRPr lang="en-US" dirty="0"/>
-          </a:p>
-        </p:txBody>
-      </p:sp>
-      <p:sp>
-        <p:nvSpPr>
-          <p:cNvPr id="93" name="TextBox 92"/>
+          </a:p>
+        </p:txBody>
+      </p:sp>
+      <p:sp>
+        <p:nvSpPr>
+          <p:cNvPr id="83" name="TextBox 82"/>
           <p:cNvSpPr txBox="1"/>
           <p:nvPr/>
         </p:nvSpPr>
         <p:spPr>
           <a:xfrm>
-            <a:off x="2650497" y="2120423"/>
-            <a:ext cx="220343" cy="215444"/>
+            <a:off x="417097" y="6256476"/>
+            <a:ext cx="762000" cy="215444"/>
           </a:xfrm>
           <a:prstGeom prst="rect">
             <a:avLst/>
@@ -4411,106 +4435,31 @@
           <a:p>
             <a:r>
               <a:rPr lang="en-US" dirty="0"/>
-              <a:t>u</a:t>
-            </a:r>
-            <a:endParaRPr lang="en-US" dirty="0"/>
-          </a:p>
-        </p:txBody>
-      </p:sp>
-      <p:cxnSp>
-        <p:nvCxnSpPr>
-          <p:cNvPr id="50" name="Straight Arrow Connector 49"/>
-          <p:cNvCxnSpPr/>
-          <p:nvPr/>
-        </p:nvCxnSpPr>
-        <p:spPr>
-          <a:xfrm>
-            <a:off x="4114800" y="2057400"/>
-            <a:ext cx="1420495" cy="1905"/>
-          </a:xfrm>
-          <a:prstGeom prst="straightConnector1">
-            <a:avLst/>
-          </a:prstGeom>
-          <a:ln w="19050">
-            <a:solidFill>
-              <a:srgbClr val="0070C0"/>
-            </a:solidFill>
-            <a:tailEnd type="arrow"/>
-          </a:ln>
-        </p:spPr>
-        <p:style>
-          <a:lnRef idx="1">
-            <a:schemeClr val="accent1"/>
-          </a:lnRef>
-          <a:fillRef idx="0">
-            <a:schemeClr val="accent1"/>
-          </a:fillRef>
-          <a:effectRef idx="0">
-            <a:schemeClr val="accent1"/>
-          </a:effectRef>
-          <a:fontRef idx="minor">
-            <a:schemeClr val="tx1"/>
-          </a:fontRef>
-        </p:style>
-      </p:cxnSp>
-      <p:sp>
-        <p:nvSpPr>
-          <p:cNvPr id="4" name="TextBox 3"/>
-          <p:cNvSpPr txBox="1"/>
-          <p:nvPr/>
-        </p:nvSpPr>
-        <p:spPr>
-          <a:xfrm>
-            <a:off x="5463990" y="2390041"/>
-            <a:ext cx="258404" cy="261610"/>
-          </a:xfrm>
-          <a:prstGeom prst="rect">
-            <a:avLst/>
-          </a:prstGeom>
-          <a:noFill/>
-        </p:spPr>
-        <p:txBody>
-          <a:bodyPr wrap="none" rtlCol="0">
-            <a:spAutoFit/>
-          </a:bodyPr>
-          <a:lstStyle/>
-          <a:p>
-            <a:r>
-              <a:rPr lang="en-SG" sz="1100" dirty="0">
-                <a:solidFill>
-                  <a:srgbClr val="002060"/>
-                </a:solidFill>
-              </a:rPr>
-              <a:t>X</a:t>
-            </a:r>
-            <a:endParaRPr lang="en-SG" sz="1100" dirty="0">
-              <a:solidFill>
-                <a:srgbClr val="002060"/>
-              </a:solidFill>
-            </a:endParaRPr>
-          </a:p>
-        </p:txBody>
-      </p:sp>
-      <p:sp>
-        <p:nvSpPr>
-          <p:cNvPr id="19" name="Rectangle 62"/>
+              <a:t>result</a:t>
+            </a:r>
+          </a:p>
+        </p:txBody>
+      </p:sp>
+      <p:sp>
+        <p:nvSpPr>
+          <p:cNvPr id="84" name="Rectangle 62"/>
           <p:cNvSpPr/>
           <p:nvPr/>
         </p:nvSpPr>
         <p:spPr>
           <a:xfrm>
-            <a:off x="5055235" y="1261745"/>
-            <a:ext cx="1648460" cy="454025"/>
+            <a:off x="7497155" y="2568606"/>
+            <a:ext cx="2236650" cy="335427"/>
           </a:xfrm>
           <a:prstGeom prst="rect">
             <a:avLst/>
           </a:prstGeom>
           <a:solidFill>
-            <a:srgbClr val="0070C0"/>
+            <a:srgbClr val="7030A0"/>
           </a:solidFill>
           <a:ln w="19050">
             <a:solidFill>
-              <a:srgbClr val="0070C0"/>
+              <a:srgbClr val="7030A0"/>
             </a:solidFill>
           </a:ln>
           <a:effectLst/>
@@ -4540,7 +4489,7 @@
                   <a:schemeClr val="bg1"/>
                 </a:solidFill>
               </a:rPr>
-              <a:t>u:filterCommandParser</a:t>
+              <a:t>:VersionedWorkoutBook</a:t>
             </a:r>
             <a:endParaRPr lang="en-SG" sz="1600" dirty="0">
               <a:solidFill>
@@ -4550,140 +4499,26 @@
           </a:p>
         </p:txBody>
       </p:sp>
-      <p:cxnSp>
-        <p:nvCxnSpPr>
-          <p:cNvPr id="66" name="Straight Arrow Connector 65"/>
-          <p:cNvCxnSpPr>
-            <a:stCxn id="6" idx="3"/>
-          </p:cNvCxnSpPr>
-          <p:nvPr/>
-        </p:nvCxnSpPr>
-        <p:spPr>
-          <a:xfrm>
-            <a:off x="1691640" y="2724785"/>
-            <a:ext cx="5975985" cy="6350"/>
-          </a:xfrm>
-          <a:prstGeom prst="straightConnector1">
-            <a:avLst/>
-          </a:prstGeom>
-          <a:ln w="19050">
-            <a:solidFill>
-              <a:srgbClr val="0070C0"/>
-            </a:solidFill>
-            <a:tailEnd type="arrow"/>
-          </a:ln>
-        </p:spPr>
-        <p:style>
-          <a:lnRef idx="1">
-            <a:schemeClr val="accent1"/>
-          </a:lnRef>
-          <a:fillRef idx="0">
-            <a:schemeClr val="accent1"/>
-          </a:fillRef>
-          <a:effectRef idx="0">
-            <a:schemeClr val="accent1"/>
-          </a:effectRef>
-          <a:fontRef idx="minor">
-            <a:schemeClr val="tx1"/>
-          </a:fontRef>
-        </p:style>
-      </p:cxnSp>
-      <p:cxnSp>
-        <p:nvCxnSpPr>
-          <p:cNvPr id="67" name="Straight Arrow Connector 66"/>
-          <p:cNvCxnSpPr/>
-          <p:nvPr/>
-        </p:nvCxnSpPr>
-        <p:spPr>
-          <a:xfrm>
-            <a:off x="1708245" y="1363918"/>
-            <a:ext cx="2256705" cy="1"/>
-          </a:xfrm>
-          <a:prstGeom prst="straightConnector1">
-            <a:avLst/>
-          </a:prstGeom>
-          <a:ln w="19050">
-            <a:solidFill>
-              <a:srgbClr val="0070C0"/>
-            </a:solidFill>
-            <a:tailEnd type="arrow"/>
-          </a:ln>
-        </p:spPr>
-        <p:style>
-          <a:lnRef idx="1">
-            <a:schemeClr val="accent1"/>
-          </a:lnRef>
-          <a:fillRef idx="0">
-            <a:schemeClr val="accent1"/>
-          </a:fillRef>
-          <a:effectRef idx="0">
-            <a:schemeClr val="accent1"/>
-          </a:effectRef>
-          <a:fontRef idx="minor">
-            <a:schemeClr val="tx1"/>
-          </a:fontRef>
-        </p:style>
-      </p:cxnSp>
-      <p:cxnSp>
-        <p:nvCxnSpPr>
-          <p:cNvPr id="69" name="Straight Arrow Connector 68"/>
-          <p:cNvCxnSpPr>
-            <a:endCxn id="65" idx="2"/>
-          </p:cNvCxnSpPr>
-          <p:nvPr/>
-        </p:nvCxnSpPr>
-        <p:spPr>
-          <a:xfrm>
-            <a:off x="1691640" y="4038600"/>
-            <a:ext cx="5965190" cy="0"/>
-          </a:xfrm>
-          <a:prstGeom prst="straightConnector1">
-            <a:avLst/>
-          </a:prstGeom>
-          <a:ln w="19050">
-            <a:solidFill>
-              <a:srgbClr val="0070C0"/>
-            </a:solidFill>
-            <a:prstDash val="sysDash"/>
-            <a:headEnd type="arrow" w="med" len="med"/>
-            <a:tailEnd type="none" w="med" len="med"/>
-          </a:ln>
-        </p:spPr>
-        <p:style>
-          <a:lnRef idx="1">
-            <a:schemeClr val="accent1"/>
-          </a:lnRef>
-          <a:fillRef idx="0">
-            <a:schemeClr val="accent1"/>
-          </a:fillRef>
-          <a:effectRef idx="0">
-            <a:schemeClr val="accent1"/>
-          </a:effectRef>
-          <a:fontRef idx="minor">
-            <a:schemeClr val="tx1"/>
-          </a:fontRef>
-        </p:style>
-      </p:cxnSp>
-      <p:sp>
-        <p:nvSpPr>
-          <p:cNvPr id="3" name="Rectangle 2"/>
+      <p:sp>
+        <p:nvSpPr>
+          <p:cNvPr id="86" name="Rectangle 85"/>
           <p:cNvSpPr/>
           <p:nvPr/>
         </p:nvSpPr>
         <p:spPr>
           <a:xfrm>
-            <a:off x="5535407" y="2059403"/>
-            <a:ext cx="152400" cy="276003"/>
+            <a:off x="8514207" y="3182840"/>
+            <a:ext cx="129933" cy="398562"/>
           </a:xfrm>
           <a:prstGeom prst="rect">
             <a:avLst/>
           </a:prstGeom>
           <a:solidFill>
-            <a:srgbClr val="0070C0"/>
+            <a:srgbClr val="7030A0"/>
           </a:solidFill>
           <a:ln>
             <a:solidFill>
-              <a:srgbClr val="0070C0"/>
+              <a:srgbClr val="7030A0"/>
             </a:solidFill>
           </a:ln>
           <a:effectLst/>
@@ -4704,6 +4539,7 @@
         </p:style>
         <p:txBody>
           <a:bodyPr rtlCol="0" anchor="ctr"/>
+          <a:lstStyle/>
           <a:p>
             <a:pPr algn="ctr"/>
             <a:endParaRPr lang="en-SG" sz="1400"/>
@@ -4712,14 +4548,14 @@
       </p:sp>
       <p:sp>
         <p:nvSpPr>
-          <p:cNvPr id="8" name="TextBox 28"/>
+          <p:cNvPr id="93" name="TextBox 92"/>
           <p:cNvSpPr txBox="1"/>
           <p:nvPr/>
         </p:nvSpPr>
         <p:spPr>
           <a:xfrm>
-            <a:off x="4279265" y="1968500"/>
-            <a:ext cx="1152525" cy="458470"/>
+            <a:off x="2724792" y="1905793"/>
+            <a:ext cx="220343" cy="215444"/>
           </a:xfrm>
           <a:prstGeom prst="rect">
             <a:avLst/>
@@ -4744,71 +4580,32 @@
           </a:lstStyle>
           <a:p>
             <a:r>
-              <a:rPr lang="en-US" sz="1000" dirty="0"/>
-              <a:t>parse(“type/strength duration/20m equipment/dumbbell)</a:t>
-            </a:r>
-            <a:endParaRPr lang="en-US" sz="1000" dirty="0"/>
-          </a:p>
-        </p:txBody>
-      </p:sp>
-      <p:cxnSp>
-        <p:nvCxnSpPr>
-          <p:cNvPr id="9" name="Straight Arrow Connector 8"/>
-          <p:cNvCxnSpPr/>
-          <p:nvPr/>
-        </p:nvCxnSpPr>
-        <p:spPr>
-          <a:xfrm>
-            <a:off x="4132603" y="2335432"/>
-            <a:ext cx="1492974" cy="0"/>
-          </a:xfrm>
-          <a:prstGeom prst="straightConnector1">
-            <a:avLst/>
-          </a:prstGeom>
-          <a:ln w="19050">
-            <a:solidFill>
-              <a:srgbClr val="0070C0"/>
-            </a:solidFill>
-            <a:prstDash val="sysDash"/>
-            <a:headEnd type="arrow" w="med" len="med"/>
-            <a:tailEnd type="none" w="med" len="med"/>
-          </a:ln>
-        </p:spPr>
-        <p:style>
-          <a:lnRef idx="1">
-            <a:schemeClr val="accent1"/>
-          </a:lnRef>
-          <a:fillRef idx="0">
-            <a:schemeClr val="accent1"/>
-          </a:fillRef>
-          <a:effectRef idx="0">
-            <a:schemeClr val="accent1"/>
-          </a:effectRef>
-          <a:fontRef idx="minor">
-            <a:schemeClr val="tx1"/>
-          </a:fontRef>
-        </p:style>
-      </p:cxnSp>
-      <p:sp>
-        <p:nvSpPr>
-          <p:cNvPr id="10" name="Rectangle 62"/>
+              <a:rPr lang="en-US" dirty="0"/>
+              <a:t>u</a:t>
+            </a:r>
+          </a:p>
+        </p:txBody>
+      </p:sp>
+      <p:sp>
+        <p:nvSpPr>
+          <p:cNvPr id="40" name="Rectangle 62"/>
           <p:cNvSpPr/>
           <p:nvPr/>
         </p:nvSpPr>
         <p:spPr>
           <a:xfrm>
-            <a:off x="6858000" y="1651000"/>
-            <a:ext cx="1648460" cy="454025"/>
+            <a:off x="6549765" y="2362200"/>
+            <a:ext cx="841636" cy="300180"/>
           </a:xfrm>
           <a:prstGeom prst="rect">
             <a:avLst/>
           </a:prstGeom>
           <a:solidFill>
-            <a:srgbClr val="0070C0"/>
+            <a:srgbClr val="7030A0"/>
           </a:solidFill>
           <a:ln w="19050">
             <a:solidFill>
-              <a:srgbClr val="0070C0"/>
+              <a:srgbClr val="7030A0"/>
             </a:solidFill>
           </a:ln>
           <a:effectLst/>
@@ -4829,6 +4626,7 @@
         </p:style>
         <p:txBody>
           <a:bodyPr rtlCol="0" anchor="ctr"/>
+          <a:lstStyle/>
           <a:p>
             <a:pPr algn="ctr"/>
             <a:r>
@@ -4837,7 +4635,7 @@
                   <a:schemeClr val="bg1"/>
                 </a:solidFill>
               </a:rPr>
-              <a:t>r:filterCommand</a:t>
+              <a:t>: Model</a:t>
             </a:r>
             <a:endParaRPr lang="en-SG" sz="1600" dirty="0">
               <a:solidFill>
@@ -4847,26 +4645,65 @@
           </a:p>
         </p:txBody>
       </p:sp>
-      <p:sp>
-        <p:nvSpPr>
-          <p:cNvPr id="11" name="Rectangle 10"/>
+      <p:cxnSp>
+        <p:nvCxnSpPr>
+          <p:cNvPr id="46" name="Straight Connector 45"/>
+          <p:cNvCxnSpPr>
+            <a:cxnSpLocks/>
+          </p:cNvCxnSpPr>
+          <p:nvPr/>
+        </p:nvCxnSpPr>
+        <p:spPr>
+          <a:xfrm flipH="1">
+            <a:off x="6971975" y="2653306"/>
+            <a:ext cx="18476" cy="3976094"/>
+          </a:xfrm>
+          <a:prstGeom prst="line">
+            <a:avLst/>
+          </a:prstGeom>
+          <a:ln w="19050">
+            <a:solidFill>
+              <a:srgbClr val="7030A0"/>
+            </a:solidFill>
+            <a:prstDash val="sysDash"/>
+          </a:ln>
+          <a:effectLst/>
+        </p:spPr>
+        <p:style>
+          <a:lnRef idx="1">
+            <a:schemeClr val="accent1"/>
+          </a:lnRef>
+          <a:fillRef idx="2">
+            <a:schemeClr val="accent1"/>
+          </a:fillRef>
+          <a:effectRef idx="1">
+            <a:schemeClr val="accent1"/>
+          </a:effectRef>
+          <a:fontRef idx="minor">
+            <a:schemeClr val="dk1"/>
+          </a:fontRef>
+        </p:style>
+      </p:cxnSp>
+      <p:sp>
+        <p:nvSpPr>
+          <p:cNvPr id="49" name="Rectangle 48"/>
           <p:cNvSpPr/>
           <p:nvPr/>
         </p:nvSpPr>
         <p:spPr>
           <a:xfrm>
-            <a:off x="7606142" y="1968598"/>
-            <a:ext cx="152400" cy="276003"/>
+            <a:off x="6914415" y="2958107"/>
+            <a:ext cx="148429" cy="3349438"/>
           </a:xfrm>
           <a:prstGeom prst="rect">
             <a:avLst/>
           </a:prstGeom>
           <a:solidFill>
-            <a:srgbClr val="0070C0"/>
+            <a:srgbClr val="7030A0"/>
           </a:solidFill>
           <a:ln>
             <a:solidFill>
-              <a:srgbClr val="0070C0"/>
+              <a:srgbClr val="7030A0"/>
             </a:solidFill>
           </a:ln>
           <a:effectLst/>
@@ -4887,6 +4724,7 @@
         </p:style>
         <p:txBody>
           <a:bodyPr rtlCol="0" anchor="ctr"/>
+          <a:lstStyle/>
           <a:p>
             <a:pPr algn="ctr"/>
             <a:endParaRPr lang="en-SG" sz="1400"/>
@@ -4895,14 +4733,16 @@
       </p:sp>
       <p:cxnSp>
         <p:nvCxnSpPr>
-          <p:cNvPr id="12" name="Straight Arrow Connector 11"/>
-          <p:cNvCxnSpPr/>
+          <p:cNvPr id="50" name="Straight Arrow Connector 49"/>
+          <p:cNvCxnSpPr>
+            <a:cxnSpLocks/>
+          </p:cNvCxnSpPr>
           <p:nvPr/>
         </p:nvCxnSpPr>
         <p:spPr>
           <a:xfrm>
-            <a:off x="5678170" y="2057400"/>
-            <a:ext cx="1179830" cy="0"/>
+            <a:off x="5685755" y="2975344"/>
+            <a:ext cx="1228660" cy="0"/>
           </a:xfrm>
           <a:prstGeom prst="straightConnector1">
             <a:avLst/>
@@ -4929,16 +4769,219 @@
           </a:fontRef>
         </p:style>
       </p:cxnSp>
+      <p:sp>
+        <p:nvSpPr>
+          <p:cNvPr id="4" name="TextBox 3"/>
+          <p:cNvSpPr txBox="1"/>
+          <p:nvPr/>
+        </p:nvSpPr>
+        <p:spPr>
+          <a:xfrm>
+            <a:off x="5472880" y="6410735"/>
+            <a:ext cx="258404" cy="261610"/>
+          </a:xfrm>
+          <a:prstGeom prst="rect">
+            <a:avLst/>
+          </a:prstGeom>
+          <a:noFill/>
+        </p:spPr>
+        <p:txBody>
+          <a:bodyPr wrap="none" rtlCol="0">
+            <a:spAutoFit/>
+          </a:bodyPr>
+          <a:lstStyle/>
+          <a:p>
+            <a:r>
+              <a:rPr lang="en-SG" sz="1100" dirty="0">
+                <a:solidFill>
+                  <a:srgbClr val="002060"/>
+                </a:solidFill>
+              </a:rPr>
+              <a:t>X</a:t>
+            </a:r>
+          </a:p>
+        </p:txBody>
+      </p:sp>
+      <p:sp>
+        <p:nvSpPr>
+          <p:cNvPr id="19" name="Rectangle 62"/>
+          <p:cNvSpPr/>
+          <p:nvPr/>
+        </p:nvSpPr>
+        <p:spPr>
+          <a:xfrm>
+            <a:off x="5035976" y="1260268"/>
+            <a:ext cx="1093635" cy="461538"/>
+          </a:xfrm>
+          <a:prstGeom prst="rect">
+            <a:avLst/>
+          </a:prstGeom>
+          <a:solidFill>
+            <a:srgbClr val="0070C0"/>
+          </a:solidFill>
+          <a:ln w="19050">
+            <a:solidFill>
+              <a:srgbClr val="0070C0"/>
+            </a:solidFill>
+          </a:ln>
+          <a:effectLst/>
+        </p:spPr>
+        <p:style>
+          <a:lnRef idx="1">
+            <a:schemeClr val="accent2"/>
+          </a:lnRef>
+          <a:fillRef idx="2">
+            <a:schemeClr val="accent2"/>
+          </a:fillRef>
+          <a:effectRef idx="1">
+            <a:schemeClr val="accent2"/>
+          </a:effectRef>
+          <a:fontRef idx="minor">
+            <a:schemeClr val="dk1"/>
+          </a:fontRef>
+        </p:style>
+        <p:txBody>
+          <a:bodyPr rtlCol="0" anchor="ctr"/>
+          <a:lstStyle/>
+          <a:p>
+            <a:pPr algn="ctr"/>
+            <a:r>
+              <a:rPr lang="en-US" sz="1600" dirty="0">
+                <a:solidFill>
+                  <a:schemeClr val="bg1"/>
+                </a:solidFill>
+              </a:rPr>
+              <a:t>u:Undo</a:t>
+            </a:r>
+            <a:br>
+              <a:rPr lang="en-US" sz="1600" dirty="0">
+                <a:solidFill>
+                  <a:schemeClr val="bg1"/>
+                </a:solidFill>
+              </a:rPr>
+            </a:br>
+            <a:r>
+              <a:rPr lang="en-US" sz="1600" dirty="0">
+                <a:solidFill>
+                  <a:schemeClr val="bg1"/>
+                </a:solidFill>
+              </a:rPr>
+              <a:t>Command</a:t>
+            </a:r>
+            <a:endParaRPr lang="en-SG" sz="1600" dirty="0">
+              <a:solidFill>
+                <a:schemeClr val="bg1"/>
+              </a:solidFill>
+            </a:endParaRPr>
+          </a:p>
+        </p:txBody>
+      </p:sp>
       <p:cxnSp>
         <p:nvCxnSpPr>
-          <p:cNvPr id="14" name="Straight Arrow Connector 13"/>
-          <p:cNvCxnSpPr/>
+          <p:cNvPr id="66" name="Straight Arrow Connector 65">
+            <a:extLst>
+              <a:ext uri="{FF2B5EF4-FFF2-40B4-BE49-F238E27FC236}">
+                <a16:creationId xmlns:a16="http://schemas.microsoft.com/office/drawing/2014/main" id="{39916E2E-195A-4DC8-B025-B05FA87E6796}"/>
+              </a:ext>
+            </a:extLst>
+          </p:cNvPr>
+          <p:cNvCxnSpPr>
+            <a:cxnSpLocks/>
+          </p:cNvCxnSpPr>
           <p:nvPr/>
         </p:nvCxnSpPr>
         <p:spPr>
           <a:xfrm>
-            <a:off x="5625465" y="2228215"/>
-            <a:ext cx="1950720" cy="0"/>
+            <a:off x="1691351" y="2731314"/>
+            <a:ext cx="3832164" cy="1"/>
+          </a:xfrm>
+          <a:prstGeom prst="straightConnector1">
+            <a:avLst/>
+          </a:prstGeom>
+          <a:ln w="19050">
+            <a:solidFill>
+              <a:srgbClr val="0070C0"/>
+            </a:solidFill>
+            <a:tailEnd type="arrow"/>
+          </a:ln>
+        </p:spPr>
+        <p:style>
+          <a:lnRef idx="1">
+            <a:schemeClr val="accent1"/>
+          </a:lnRef>
+          <a:fillRef idx="0">
+            <a:schemeClr val="accent1"/>
+          </a:fillRef>
+          <a:effectRef idx="0">
+            <a:schemeClr val="accent1"/>
+          </a:effectRef>
+          <a:fontRef idx="minor">
+            <a:schemeClr val="tx1"/>
+          </a:fontRef>
+        </p:style>
+      </p:cxnSp>
+      <p:cxnSp>
+        <p:nvCxnSpPr>
+          <p:cNvPr id="67" name="Straight Arrow Connector 66">
+            <a:extLst>
+              <a:ext uri="{FF2B5EF4-FFF2-40B4-BE49-F238E27FC236}">
+                <a16:creationId xmlns:a16="http://schemas.microsoft.com/office/drawing/2014/main" id="{D881596E-177C-4FDC-8E60-CAB90B3D5FAB}"/>
+              </a:ext>
+            </a:extLst>
+          </p:cNvPr>
+          <p:cNvCxnSpPr>
+            <a:cxnSpLocks/>
+          </p:cNvCxnSpPr>
+          <p:nvPr/>
+        </p:nvCxnSpPr>
+        <p:spPr>
+          <a:xfrm>
+            <a:off x="1708245" y="1363918"/>
+            <a:ext cx="2256705" cy="1"/>
+          </a:xfrm>
+          <a:prstGeom prst="straightConnector1">
+            <a:avLst/>
+          </a:prstGeom>
+          <a:ln w="19050">
+            <a:solidFill>
+              <a:srgbClr val="0070C0"/>
+            </a:solidFill>
+            <a:tailEnd type="arrow"/>
+          </a:ln>
+        </p:spPr>
+        <p:style>
+          <a:lnRef idx="1">
+            <a:schemeClr val="accent1"/>
+          </a:lnRef>
+          <a:fillRef idx="0">
+            <a:schemeClr val="accent1"/>
+          </a:fillRef>
+          <a:effectRef idx="0">
+            <a:schemeClr val="accent1"/>
+          </a:effectRef>
+          <a:fontRef idx="minor">
+            <a:schemeClr val="tx1"/>
+          </a:fontRef>
+        </p:style>
+      </p:cxnSp>
+      <p:cxnSp>
+        <p:nvCxnSpPr>
+          <p:cNvPr id="69" name="Straight Arrow Connector 68">
+            <a:extLst>
+              <a:ext uri="{FF2B5EF4-FFF2-40B4-BE49-F238E27FC236}">
+                <a16:creationId xmlns:a16="http://schemas.microsoft.com/office/drawing/2014/main" id="{7C9F21BC-13A9-471F-825A-2621FD36355F}"/>
+              </a:ext>
+            </a:extLst>
+          </p:cNvPr>
+          <p:cNvCxnSpPr>
+            <a:cxnSpLocks/>
+          </p:cNvCxnSpPr>
+          <p:nvPr/>
+        </p:nvCxnSpPr>
+        <p:spPr>
+          <a:xfrm>
+            <a:off x="1691998" y="6360160"/>
+            <a:ext cx="3831517" cy="0"/>
           </a:xfrm>
           <a:prstGeom prst="straightConnector1">
             <a:avLst/>
@@ -4967,23 +5010,82 @@
           </a:fontRef>
         </p:style>
       </p:cxnSp>
+      <p:sp>
+        <p:nvSpPr>
+          <p:cNvPr id="88" name="TextBox 87">
+            <a:extLst>
+              <a:ext uri="{FF2B5EF4-FFF2-40B4-BE49-F238E27FC236}">
+                <a16:creationId xmlns:a16="http://schemas.microsoft.com/office/drawing/2014/main" id="{B85C6184-7378-4E89-A338-72B1E5056F4F}"/>
+              </a:ext>
+            </a:extLst>
+          </p:cNvPr>
+          <p:cNvSpPr txBox="1"/>
+          <p:nvPr/>
+        </p:nvSpPr>
+        <p:spPr>
+          <a:xfrm>
+            <a:off x="8769530" y="3267337"/>
+            <a:ext cx="2218654" cy="184666"/>
+          </a:xfrm>
+          <a:prstGeom prst="rect">
+            <a:avLst/>
+          </a:prstGeom>
+          <a:noFill/>
+        </p:spPr>
+        <p:txBody>
+          <a:bodyPr wrap="square" lIns="0" tIns="0" rIns="0" bIns="0" rtlCol="0">
+            <a:spAutoFit/>
+          </a:bodyPr>
+          <a:lstStyle>
+            <a:defPPr>
+              <a:defRPr lang="en-US"/>
+            </a:defPPr>
+            <a:lvl1pPr algn="r">
+              <a:defRPr sz="1400">
+                <a:solidFill>
+                  <a:srgbClr val="0070C0"/>
+                </a:solidFill>
+              </a:defRPr>
+            </a:lvl1pPr>
+          </a:lstStyle>
+          <a:p>
+            <a:r>
+              <a:rPr lang="en-US" sz="1200" dirty="0">
+                <a:solidFill>
+                  <a:srgbClr val="7030A0"/>
+                </a:solidFill>
+              </a:rPr>
+              <a:t>resetData(ReadOnlyWorkoutBook)</a:t>
+            </a:r>
+            <a:endParaRPr lang="en-US" sz="1200" dirty="0"/>
+          </a:p>
+        </p:txBody>
+      </p:sp>
       <p:cxnSp>
         <p:nvCxnSpPr>
-          <p:cNvPr id="15" name="Straight Connector 14"/>
-          <p:cNvCxnSpPr/>
+          <p:cNvPr id="89" name="Straight Connector 88">
+            <a:extLst>
+              <a:ext uri="{FF2B5EF4-FFF2-40B4-BE49-F238E27FC236}">
+                <a16:creationId xmlns:a16="http://schemas.microsoft.com/office/drawing/2014/main" id="{E4E1C8CA-49DF-45D8-80A5-D5C8282EE927}"/>
+              </a:ext>
+            </a:extLst>
+          </p:cNvPr>
+          <p:cNvCxnSpPr>
+            <a:cxnSpLocks/>
+          </p:cNvCxnSpPr>
           <p:nvPr/>
         </p:nvCxnSpPr>
         <p:spPr>
           <a:xfrm>
-            <a:off x="7667625" y="2228215"/>
-            <a:ext cx="28575" cy="2115185"/>
+            <a:off x="8588043" y="2871355"/>
+            <a:ext cx="0" cy="862444"/>
           </a:xfrm>
           <a:prstGeom prst="line">
             <a:avLst/>
           </a:prstGeom>
           <a:ln w="19050">
             <a:solidFill>
-              <a:srgbClr val="0070C0"/>
+              <a:srgbClr val="7030A0"/>
             </a:solidFill>
             <a:prstDash val="sysDash"/>
           </a:ln>
@@ -5004,7 +5106,1062 @@
           </a:fontRef>
         </p:style>
       </p:cxnSp>
+      <p:sp>
+        <p:nvSpPr>
+          <p:cNvPr id="41" name="TextBox 40"/>
+          <p:cNvSpPr txBox="1"/>
+          <p:nvPr/>
+        </p:nvSpPr>
+        <p:spPr>
+          <a:xfrm>
+            <a:off x="7460058" y="2964741"/>
+            <a:ext cx="551687" cy="184666"/>
+          </a:xfrm>
+          <a:prstGeom prst="rect">
+            <a:avLst/>
+          </a:prstGeom>
+          <a:noFill/>
+          <a:ln>
+            <a:noFill/>
+          </a:ln>
+        </p:spPr>
+        <p:txBody>
+          <a:bodyPr wrap="square" lIns="0" tIns="0" rIns="0" bIns="0" rtlCol="0">
+            <a:spAutoFit/>
+          </a:bodyPr>
+          <a:lstStyle>
+            <a:defPPr>
+              <a:defRPr lang="en-US"/>
+            </a:defPPr>
+            <a:lvl1pPr algn="r">
+              <a:defRPr sz="1400">
+                <a:solidFill>
+                  <a:srgbClr val="0070C0"/>
+                </a:solidFill>
+              </a:defRPr>
+            </a:lvl1pPr>
+          </a:lstStyle>
+          <a:p>
+            <a:r>
+              <a:rPr lang="en-US" sz="1200" dirty="0">
+                <a:solidFill>
+                  <a:srgbClr val="7030A0"/>
+                </a:solidFill>
+              </a:rPr>
+              <a:t>undo</a:t>
+            </a:r>
+            <a:r>
+              <a:rPr lang="en-US" sz="1200" dirty="0">
+                <a:solidFill>
+                  <a:schemeClr val="accent4">
+                    <a:lumMod val="75000"/>
+                  </a:schemeClr>
+                </a:solidFill>
+              </a:rPr>
+              <a:t>()</a:t>
+            </a:r>
+          </a:p>
+        </p:txBody>
+      </p:sp>
+      <p:cxnSp>
+        <p:nvCxnSpPr>
+          <p:cNvPr id="13" name="Curved Connector 12"/>
+          <p:cNvCxnSpPr/>
+          <p:nvPr/>
+        </p:nvCxnSpPr>
+        <p:spPr>
+          <a:xfrm rot="16200000" flipH="1">
+            <a:off x="8527578" y="3220579"/>
+            <a:ext cx="156923" cy="76200"/>
+          </a:xfrm>
+          <a:prstGeom prst="curvedConnector4">
+            <a:avLst>
+              <a:gd name="adj1" fmla="val -145677"/>
+              <a:gd name="adj2" fmla="val 400000"/>
+            </a:avLst>
+          </a:prstGeom>
+          <a:ln>
+            <a:solidFill>
+              <a:srgbClr val="7030A0"/>
+            </a:solidFill>
+            <a:tailEnd type="triangle"/>
+          </a:ln>
+        </p:spPr>
+        <p:style>
+          <a:lnRef idx="1">
+            <a:schemeClr val="accent1"/>
+          </a:lnRef>
+          <a:fillRef idx="0">
+            <a:schemeClr val="accent1"/>
+          </a:fillRef>
+          <a:effectRef idx="0">
+            <a:schemeClr val="accent1"/>
+          </a:effectRef>
+          <a:fontRef idx="minor">
+            <a:schemeClr val="tx1"/>
+          </a:fontRef>
+        </p:style>
+      </p:cxnSp>
+      <p:cxnSp>
+        <p:nvCxnSpPr>
+          <p:cNvPr id="52" name="Straight Arrow Connector 51"/>
+          <p:cNvCxnSpPr>
+            <a:cxnSpLocks/>
+          </p:cNvCxnSpPr>
+          <p:nvPr/>
+        </p:nvCxnSpPr>
+        <p:spPr>
+          <a:xfrm>
+            <a:off x="7043991" y="3182839"/>
+            <a:ext cx="1470216" cy="0"/>
+          </a:xfrm>
+          <a:prstGeom prst="straightConnector1">
+            <a:avLst/>
+          </a:prstGeom>
+          <a:ln w="19050">
+            <a:solidFill>
+              <a:srgbClr val="7030A0"/>
+            </a:solidFill>
+            <a:tailEnd type="arrow"/>
+          </a:ln>
+        </p:spPr>
+        <p:style>
+          <a:lnRef idx="1">
+            <a:schemeClr val="accent1"/>
+          </a:lnRef>
+          <a:fillRef idx="0">
+            <a:schemeClr val="accent1"/>
+          </a:fillRef>
+          <a:effectRef idx="0">
+            <a:schemeClr val="accent1"/>
+          </a:effectRef>
+          <a:fontRef idx="minor">
+            <a:schemeClr val="tx1"/>
+          </a:fontRef>
+        </p:style>
+      </p:cxnSp>
+      <p:cxnSp>
+        <p:nvCxnSpPr>
+          <p:cNvPr id="60" name="Straight Arrow Connector 59">
+            <a:extLst>
+              <a:ext uri="{FF2B5EF4-FFF2-40B4-BE49-F238E27FC236}">
+                <a16:creationId xmlns:a16="http://schemas.microsoft.com/office/drawing/2014/main" id="{7C9F21BC-13A9-471F-825A-2621FD36355F}"/>
+              </a:ext>
+            </a:extLst>
+          </p:cNvPr>
+          <p:cNvCxnSpPr>
+            <a:cxnSpLocks/>
+          </p:cNvCxnSpPr>
+          <p:nvPr/>
+        </p:nvCxnSpPr>
+        <p:spPr>
+          <a:xfrm flipV="1">
+            <a:off x="7043991" y="3564914"/>
+            <a:ext cx="1470216" cy="6325"/>
+          </a:xfrm>
+          <a:prstGeom prst="straightConnector1">
+            <a:avLst/>
+          </a:prstGeom>
+          <a:ln w="19050">
+            <a:solidFill>
+              <a:srgbClr val="7030A0"/>
+            </a:solidFill>
+            <a:prstDash val="sysDash"/>
+            <a:headEnd type="arrow" w="med" len="med"/>
+            <a:tailEnd type="none" w="med" len="med"/>
+          </a:ln>
+        </p:spPr>
+        <p:style>
+          <a:lnRef idx="1">
+            <a:schemeClr val="accent1"/>
+          </a:lnRef>
+          <a:fillRef idx="0">
+            <a:schemeClr val="accent1"/>
+          </a:fillRef>
+          <a:effectRef idx="0">
+            <a:schemeClr val="accent1"/>
+          </a:effectRef>
+          <a:fontRef idx="minor">
+            <a:schemeClr val="tx1"/>
+          </a:fontRef>
+        </p:style>
+      </p:cxnSp>
+      <p:cxnSp>
+        <p:nvCxnSpPr>
+          <p:cNvPr id="63" name="Straight Arrow Connector 62">
+            <a:extLst>
+              <a:ext uri="{FF2B5EF4-FFF2-40B4-BE49-F238E27FC236}">
+                <a16:creationId xmlns:a16="http://schemas.microsoft.com/office/drawing/2014/main" id="{7C9F21BC-13A9-471F-825A-2621FD36355F}"/>
+              </a:ext>
+            </a:extLst>
+          </p:cNvPr>
+          <p:cNvCxnSpPr>
+            <a:cxnSpLocks/>
+          </p:cNvCxnSpPr>
+          <p:nvPr/>
+        </p:nvCxnSpPr>
+        <p:spPr>
+          <a:xfrm>
+            <a:off x="5685755" y="6307545"/>
+            <a:ext cx="1251368" cy="1815"/>
+          </a:xfrm>
+          <a:prstGeom prst="straightConnector1">
+            <a:avLst/>
+          </a:prstGeom>
+          <a:ln w="19050">
+            <a:solidFill>
+              <a:srgbClr val="7030A0"/>
+            </a:solidFill>
+            <a:prstDash val="sysDash"/>
+            <a:headEnd type="arrow" w="med" len="med"/>
+            <a:tailEnd type="none" w="med" len="med"/>
+          </a:ln>
+        </p:spPr>
+        <p:style>
+          <a:lnRef idx="1">
+            <a:schemeClr val="accent1"/>
+          </a:lnRef>
+          <a:fillRef idx="0">
+            <a:schemeClr val="accent1"/>
+          </a:fillRef>
+          <a:effectRef idx="0">
+            <a:schemeClr val="accent1"/>
+          </a:effectRef>
+          <a:fontRef idx="minor">
+            <a:schemeClr val="tx1"/>
+          </a:fontRef>
+        </p:style>
+      </p:cxnSp>
+      <p:sp>
+        <p:nvSpPr>
+          <p:cNvPr id="54" name="Rectangle 62">
+            <a:extLst>
+              <a:ext uri="{FF2B5EF4-FFF2-40B4-BE49-F238E27FC236}">
+                <a16:creationId xmlns:a16="http://schemas.microsoft.com/office/drawing/2014/main" id="{7B437A78-F4BD-4CD9-9865-D4DC806CEBA9}"/>
+              </a:ext>
+            </a:extLst>
+          </p:cNvPr>
+          <p:cNvSpPr/>
+          <p:nvPr/>
+        </p:nvSpPr>
+        <p:spPr>
+          <a:xfrm>
+            <a:off x="7853948" y="3851876"/>
+            <a:ext cx="2236650" cy="335427"/>
+          </a:xfrm>
+          <a:prstGeom prst="rect">
+            <a:avLst/>
+          </a:prstGeom>
+          <a:solidFill>
+            <a:srgbClr val="7030A0"/>
+          </a:solidFill>
+          <a:ln w="19050">
+            <a:solidFill>
+              <a:srgbClr val="7030A0"/>
+            </a:solidFill>
+          </a:ln>
+          <a:effectLst/>
+        </p:spPr>
+        <p:style>
+          <a:lnRef idx="1">
+            <a:schemeClr val="accent2"/>
+          </a:lnRef>
+          <a:fillRef idx="2">
+            <a:schemeClr val="accent2"/>
+          </a:fillRef>
+          <a:effectRef idx="1">
+            <a:schemeClr val="accent2"/>
+          </a:effectRef>
+          <a:fontRef idx="minor">
+            <a:schemeClr val="dk1"/>
+          </a:fontRef>
+        </p:style>
+        <p:txBody>
+          <a:bodyPr rtlCol="0" anchor="ctr"/>
+          <a:lstStyle/>
+          <a:p>
+            <a:pPr algn="ctr"/>
+            <a:r>
+              <a:rPr lang="en-US" sz="1600" dirty="0">
+                <a:solidFill>
+                  <a:schemeClr val="bg1"/>
+                </a:solidFill>
+              </a:rPr>
+              <a:t>:VersionedTrackedData</a:t>
+            </a:r>
+            <a:endParaRPr lang="en-SG" sz="1600" dirty="0">
+              <a:solidFill>
+                <a:schemeClr val="bg1"/>
+              </a:solidFill>
+            </a:endParaRPr>
+          </a:p>
+        </p:txBody>
+      </p:sp>
+      <p:sp>
+        <p:nvSpPr>
+          <p:cNvPr id="55" name="Rectangle 54">
+            <a:extLst>
+              <a:ext uri="{FF2B5EF4-FFF2-40B4-BE49-F238E27FC236}">
+                <a16:creationId xmlns:a16="http://schemas.microsoft.com/office/drawing/2014/main" id="{BC614172-E493-4299-BFC3-8EFFE1DCD766}"/>
+              </a:ext>
+            </a:extLst>
+          </p:cNvPr>
+          <p:cNvSpPr/>
+          <p:nvPr/>
+        </p:nvSpPr>
+        <p:spPr>
+          <a:xfrm>
+            <a:off x="8871000" y="4466110"/>
+            <a:ext cx="129933" cy="398562"/>
+          </a:xfrm>
+          <a:prstGeom prst="rect">
+            <a:avLst/>
+          </a:prstGeom>
+          <a:solidFill>
+            <a:srgbClr val="7030A0"/>
+          </a:solidFill>
+          <a:ln>
+            <a:solidFill>
+              <a:srgbClr val="7030A0"/>
+            </a:solidFill>
+          </a:ln>
+          <a:effectLst/>
+        </p:spPr>
+        <p:style>
+          <a:lnRef idx="1">
+            <a:schemeClr val="accent3"/>
+          </a:lnRef>
+          <a:fillRef idx="2">
+            <a:schemeClr val="accent3"/>
+          </a:fillRef>
+          <a:effectRef idx="1">
+            <a:schemeClr val="accent3"/>
+          </a:effectRef>
+          <a:fontRef idx="minor">
+            <a:schemeClr val="dk1"/>
+          </a:fontRef>
+        </p:style>
+        <p:txBody>
+          <a:bodyPr rtlCol="0" anchor="ctr"/>
+          <a:lstStyle/>
+          <a:p>
+            <a:pPr algn="ctr"/>
+            <a:endParaRPr lang="en-SG" sz="1400"/>
+          </a:p>
+        </p:txBody>
+      </p:sp>
+      <p:sp>
+        <p:nvSpPr>
+          <p:cNvPr id="57" name="TextBox 56">
+            <a:extLst>
+              <a:ext uri="{FF2B5EF4-FFF2-40B4-BE49-F238E27FC236}">
+                <a16:creationId xmlns:a16="http://schemas.microsoft.com/office/drawing/2014/main" id="{09EED28F-5DD5-48D5-8040-D82F33DB3F44}"/>
+              </a:ext>
+            </a:extLst>
+          </p:cNvPr>
+          <p:cNvSpPr txBox="1"/>
+          <p:nvPr/>
+        </p:nvSpPr>
+        <p:spPr>
+          <a:xfrm>
+            <a:off x="9126323" y="4550607"/>
+            <a:ext cx="2218654" cy="184666"/>
+          </a:xfrm>
+          <a:prstGeom prst="rect">
+            <a:avLst/>
+          </a:prstGeom>
+          <a:noFill/>
+        </p:spPr>
+        <p:txBody>
+          <a:bodyPr wrap="square" lIns="0" tIns="0" rIns="0" bIns="0" rtlCol="0">
+            <a:spAutoFit/>
+          </a:bodyPr>
+          <a:lstStyle>
+            <a:defPPr>
+              <a:defRPr lang="en-US"/>
+            </a:defPPr>
+            <a:lvl1pPr algn="r">
+              <a:defRPr sz="1400">
+                <a:solidFill>
+                  <a:srgbClr val="0070C0"/>
+                </a:solidFill>
+              </a:defRPr>
+            </a:lvl1pPr>
+          </a:lstStyle>
+          <a:p>
+            <a:r>
+              <a:rPr lang="en-US" sz="1200" dirty="0">
+                <a:solidFill>
+                  <a:srgbClr val="7030A0"/>
+                </a:solidFill>
+              </a:rPr>
+              <a:t>resetData(ReadOnlyTrackedData)</a:t>
+            </a:r>
+            <a:endParaRPr lang="en-US" sz="1200" dirty="0"/>
+          </a:p>
+        </p:txBody>
+      </p:sp>
+      <p:cxnSp>
+        <p:nvCxnSpPr>
+          <p:cNvPr id="58" name="Straight Connector 57">
+            <a:extLst>
+              <a:ext uri="{FF2B5EF4-FFF2-40B4-BE49-F238E27FC236}">
+                <a16:creationId xmlns:a16="http://schemas.microsoft.com/office/drawing/2014/main" id="{B62AD8F3-5EEF-4800-A11D-DA7272C63278}"/>
+              </a:ext>
+            </a:extLst>
+          </p:cNvPr>
+          <p:cNvCxnSpPr>
+            <a:cxnSpLocks/>
+          </p:cNvCxnSpPr>
+          <p:nvPr/>
+        </p:nvCxnSpPr>
+        <p:spPr>
+          <a:xfrm>
+            <a:off x="8944836" y="4154625"/>
+            <a:ext cx="0" cy="862444"/>
+          </a:xfrm>
+          <a:prstGeom prst="line">
+            <a:avLst/>
+          </a:prstGeom>
+          <a:ln w="19050">
+            <a:solidFill>
+              <a:srgbClr val="7030A0"/>
+            </a:solidFill>
+            <a:prstDash val="sysDash"/>
+          </a:ln>
+          <a:effectLst/>
+        </p:spPr>
+        <p:style>
+          <a:lnRef idx="1">
+            <a:schemeClr val="accent1"/>
+          </a:lnRef>
+          <a:fillRef idx="2">
+            <a:schemeClr val="accent1"/>
+          </a:fillRef>
+          <a:effectRef idx="1">
+            <a:schemeClr val="accent1"/>
+          </a:effectRef>
+          <a:fontRef idx="minor">
+            <a:schemeClr val="dk1"/>
+          </a:fontRef>
+        </p:style>
+      </p:cxnSp>
+      <p:sp>
+        <p:nvSpPr>
+          <p:cNvPr id="59" name="TextBox 58">
+            <a:extLst>
+              <a:ext uri="{FF2B5EF4-FFF2-40B4-BE49-F238E27FC236}">
+                <a16:creationId xmlns:a16="http://schemas.microsoft.com/office/drawing/2014/main" id="{ECE891AF-0982-4FF7-AA59-C5E38B8F0192}"/>
+              </a:ext>
+            </a:extLst>
+          </p:cNvPr>
+          <p:cNvSpPr txBox="1"/>
+          <p:nvPr/>
+        </p:nvSpPr>
+        <p:spPr>
+          <a:xfrm>
+            <a:off x="7599280" y="4259160"/>
+            <a:ext cx="551687" cy="184666"/>
+          </a:xfrm>
+          <a:prstGeom prst="rect">
+            <a:avLst/>
+          </a:prstGeom>
+          <a:noFill/>
+          <a:ln>
+            <a:noFill/>
+          </a:ln>
+        </p:spPr>
+        <p:txBody>
+          <a:bodyPr wrap="square" lIns="0" tIns="0" rIns="0" bIns="0" rtlCol="0">
+            <a:spAutoFit/>
+          </a:bodyPr>
+          <a:lstStyle>
+            <a:defPPr>
+              <a:defRPr lang="en-US"/>
+            </a:defPPr>
+            <a:lvl1pPr algn="r">
+              <a:defRPr sz="1400">
+                <a:solidFill>
+                  <a:srgbClr val="0070C0"/>
+                </a:solidFill>
+              </a:defRPr>
+            </a:lvl1pPr>
+          </a:lstStyle>
+          <a:p>
+            <a:r>
+              <a:rPr lang="en-US" sz="1200" dirty="0">
+                <a:solidFill>
+                  <a:srgbClr val="7030A0"/>
+                </a:solidFill>
+              </a:rPr>
+              <a:t>undo</a:t>
+            </a:r>
+            <a:r>
+              <a:rPr lang="en-US" sz="1200" dirty="0">
+                <a:solidFill>
+                  <a:schemeClr val="accent4">
+                    <a:lumMod val="75000"/>
+                  </a:schemeClr>
+                </a:solidFill>
+              </a:rPr>
+              <a:t>()</a:t>
+            </a:r>
+          </a:p>
+        </p:txBody>
+      </p:sp>
+      <p:cxnSp>
+        <p:nvCxnSpPr>
+          <p:cNvPr id="61" name="Curved Connector 12">
+            <a:extLst>
+              <a:ext uri="{FF2B5EF4-FFF2-40B4-BE49-F238E27FC236}">
+                <a16:creationId xmlns:a16="http://schemas.microsoft.com/office/drawing/2014/main" id="{A35FF370-CD98-4F30-A304-DDFF87C0E6A6}"/>
+              </a:ext>
+            </a:extLst>
+          </p:cNvPr>
+          <p:cNvCxnSpPr/>
+          <p:nvPr/>
+        </p:nvCxnSpPr>
+        <p:spPr>
+          <a:xfrm rot="16200000" flipH="1">
+            <a:off x="8884371" y="4503849"/>
+            <a:ext cx="156923" cy="76200"/>
+          </a:xfrm>
+          <a:prstGeom prst="curvedConnector4">
+            <a:avLst>
+              <a:gd name="adj1" fmla="val -145677"/>
+              <a:gd name="adj2" fmla="val 400000"/>
+            </a:avLst>
+          </a:prstGeom>
+          <a:ln>
+            <a:solidFill>
+              <a:srgbClr val="7030A0"/>
+            </a:solidFill>
+            <a:tailEnd type="triangle"/>
+          </a:ln>
+        </p:spPr>
+        <p:style>
+          <a:lnRef idx="1">
+            <a:schemeClr val="accent1"/>
+          </a:lnRef>
+          <a:fillRef idx="0">
+            <a:schemeClr val="accent1"/>
+          </a:fillRef>
+          <a:effectRef idx="0">
+            <a:schemeClr val="accent1"/>
+          </a:effectRef>
+          <a:fontRef idx="minor">
+            <a:schemeClr val="tx1"/>
+          </a:fontRef>
+        </p:style>
+      </p:cxnSp>
+      <p:cxnSp>
+        <p:nvCxnSpPr>
+          <p:cNvPr id="62" name="Straight Arrow Connector 61">
+            <a:extLst>
+              <a:ext uri="{FF2B5EF4-FFF2-40B4-BE49-F238E27FC236}">
+                <a16:creationId xmlns:a16="http://schemas.microsoft.com/office/drawing/2014/main" id="{CB101A95-D529-478E-832E-968655CF7478}"/>
+              </a:ext>
+            </a:extLst>
+          </p:cNvPr>
+          <p:cNvCxnSpPr>
+            <a:cxnSpLocks/>
+          </p:cNvCxnSpPr>
+          <p:nvPr/>
+        </p:nvCxnSpPr>
+        <p:spPr>
+          <a:xfrm>
+            <a:off x="6990451" y="4466109"/>
+            <a:ext cx="1880549" cy="0"/>
+          </a:xfrm>
+          <a:prstGeom prst="straightConnector1">
+            <a:avLst/>
+          </a:prstGeom>
+          <a:ln w="19050">
+            <a:solidFill>
+              <a:srgbClr val="7030A0"/>
+            </a:solidFill>
+            <a:tailEnd type="arrow"/>
+          </a:ln>
+        </p:spPr>
+        <p:style>
+          <a:lnRef idx="1">
+            <a:schemeClr val="accent1"/>
+          </a:lnRef>
+          <a:fillRef idx="0">
+            <a:schemeClr val="accent1"/>
+          </a:fillRef>
+          <a:effectRef idx="0">
+            <a:schemeClr val="accent1"/>
+          </a:effectRef>
+          <a:fontRef idx="minor">
+            <a:schemeClr val="tx1"/>
+          </a:fontRef>
+        </p:style>
+      </p:cxnSp>
+      <p:cxnSp>
+        <p:nvCxnSpPr>
+          <p:cNvPr id="64" name="Straight Arrow Connector 63">
+            <a:extLst>
+              <a:ext uri="{FF2B5EF4-FFF2-40B4-BE49-F238E27FC236}">
+                <a16:creationId xmlns:a16="http://schemas.microsoft.com/office/drawing/2014/main" id="{C7982E7D-170A-4C91-B309-6CCBAE137429}"/>
+              </a:ext>
+            </a:extLst>
+          </p:cNvPr>
+          <p:cNvCxnSpPr>
+            <a:cxnSpLocks/>
+          </p:cNvCxnSpPr>
+          <p:nvPr/>
+        </p:nvCxnSpPr>
+        <p:spPr>
+          <a:xfrm>
+            <a:off x="7039595" y="4845144"/>
+            <a:ext cx="1831405" cy="3041"/>
+          </a:xfrm>
+          <a:prstGeom prst="straightConnector1">
+            <a:avLst/>
+          </a:prstGeom>
+          <a:ln w="19050">
+            <a:solidFill>
+              <a:srgbClr val="7030A0"/>
+            </a:solidFill>
+            <a:prstDash val="sysDash"/>
+            <a:headEnd type="arrow" w="med" len="med"/>
+            <a:tailEnd type="none" w="med" len="med"/>
+          </a:ln>
+        </p:spPr>
+        <p:style>
+          <a:lnRef idx="1">
+            <a:schemeClr val="accent1"/>
+          </a:lnRef>
+          <a:fillRef idx="0">
+            <a:schemeClr val="accent1"/>
+          </a:fillRef>
+          <a:effectRef idx="0">
+            <a:schemeClr val="accent1"/>
+          </a:effectRef>
+          <a:fontRef idx="minor">
+            <a:schemeClr val="tx1"/>
+          </a:fontRef>
+        </p:style>
+      </p:cxnSp>
+      <p:sp>
+        <p:nvSpPr>
+          <p:cNvPr id="68" name="Rectangle 62">
+            <a:extLst>
+              <a:ext uri="{FF2B5EF4-FFF2-40B4-BE49-F238E27FC236}">
+                <a16:creationId xmlns:a16="http://schemas.microsoft.com/office/drawing/2014/main" id="{6ECBAAAE-1409-4861-9EC5-F0E4A87A2679}"/>
+              </a:ext>
+            </a:extLst>
+          </p:cNvPr>
+          <p:cNvSpPr/>
+          <p:nvPr/>
+        </p:nvSpPr>
+        <p:spPr>
+          <a:xfrm>
+            <a:off x="8011746" y="5235778"/>
+            <a:ext cx="2580052" cy="335427"/>
+          </a:xfrm>
+          <a:prstGeom prst="rect">
+            <a:avLst/>
+          </a:prstGeom>
+          <a:solidFill>
+            <a:srgbClr val="7030A0"/>
+          </a:solidFill>
+          <a:ln w="19050">
+            <a:solidFill>
+              <a:srgbClr val="7030A0"/>
+            </a:solidFill>
+          </a:ln>
+          <a:effectLst/>
+        </p:spPr>
+        <p:style>
+          <a:lnRef idx="1">
+            <a:schemeClr val="accent2"/>
+          </a:lnRef>
+          <a:fillRef idx="2">
+            <a:schemeClr val="accent2"/>
+          </a:fillRef>
+          <a:effectRef idx="1">
+            <a:schemeClr val="accent2"/>
+          </a:effectRef>
+          <a:fontRef idx="minor">
+            <a:schemeClr val="dk1"/>
+          </a:fontRef>
+        </p:style>
+        <p:txBody>
+          <a:bodyPr rtlCol="0" anchor="ctr"/>
+          <a:lstStyle/>
+          <a:p>
+            <a:pPr algn="ctr"/>
+            <a:r>
+              <a:rPr lang="en-US" sz="1600" dirty="0">
+                <a:solidFill>
+                  <a:schemeClr val="bg1"/>
+                </a:solidFill>
+              </a:rPr>
+              <a:t>:VersionedTrackedDataList</a:t>
+            </a:r>
+            <a:endParaRPr lang="en-SG" sz="1600" dirty="0">
+              <a:solidFill>
+                <a:schemeClr val="bg1"/>
+              </a:solidFill>
+            </a:endParaRPr>
+          </a:p>
+        </p:txBody>
+      </p:sp>
+      <p:sp>
+        <p:nvSpPr>
+          <p:cNvPr id="70" name="Rectangle 69">
+            <a:extLst>
+              <a:ext uri="{FF2B5EF4-FFF2-40B4-BE49-F238E27FC236}">
+                <a16:creationId xmlns:a16="http://schemas.microsoft.com/office/drawing/2014/main" id="{AED61A27-E9EE-43C5-AFC2-9AF71DB090D8}"/>
+              </a:ext>
+            </a:extLst>
+          </p:cNvPr>
+          <p:cNvSpPr/>
+          <p:nvPr/>
+        </p:nvSpPr>
+        <p:spPr>
+          <a:xfrm>
+            <a:off x="9226423" y="5850012"/>
+            <a:ext cx="129933" cy="398562"/>
+          </a:xfrm>
+          <a:prstGeom prst="rect">
+            <a:avLst/>
+          </a:prstGeom>
+          <a:solidFill>
+            <a:srgbClr val="7030A0"/>
+          </a:solidFill>
+          <a:ln>
+            <a:solidFill>
+              <a:srgbClr val="7030A0"/>
+            </a:solidFill>
+          </a:ln>
+          <a:effectLst/>
+        </p:spPr>
+        <p:style>
+          <a:lnRef idx="1">
+            <a:schemeClr val="accent3"/>
+          </a:lnRef>
+          <a:fillRef idx="2">
+            <a:schemeClr val="accent3"/>
+          </a:fillRef>
+          <a:effectRef idx="1">
+            <a:schemeClr val="accent3"/>
+          </a:effectRef>
+          <a:fontRef idx="minor">
+            <a:schemeClr val="dk1"/>
+          </a:fontRef>
+        </p:style>
+        <p:txBody>
+          <a:bodyPr rtlCol="0" anchor="ctr"/>
+          <a:lstStyle/>
+          <a:p>
+            <a:pPr algn="ctr"/>
+            <a:endParaRPr lang="en-SG" sz="1400"/>
+          </a:p>
+        </p:txBody>
+      </p:sp>
+      <p:sp>
+        <p:nvSpPr>
+          <p:cNvPr id="71" name="TextBox 70">
+            <a:extLst>
+              <a:ext uri="{FF2B5EF4-FFF2-40B4-BE49-F238E27FC236}">
+                <a16:creationId xmlns:a16="http://schemas.microsoft.com/office/drawing/2014/main" id="{EB2BD991-A1DD-408F-81C6-AFDAD3EDD717}"/>
+              </a:ext>
+            </a:extLst>
+          </p:cNvPr>
+          <p:cNvSpPr txBox="1"/>
+          <p:nvPr/>
+        </p:nvSpPr>
+        <p:spPr>
+          <a:xfrm>
+            <a:off x="9481745" y="5934509"/>
+            <a:ext cx="2329243" cy="184666"/>
+          </a:xfrm>
+          <a:prstGeom prst="rect">
+            <a:avLst/>
+          </a:prstGeom>
+          <a:noFill/>
+        </p:spPr>
+        <p:txBody>
+          <a:bodyPr wrap="square" lIns="0" tIns="0" rIns="0" bIns="0" rtlCol="0">
+            <a:spAutoFit/>
+          </a:bodyPr>
+          <a:lstStyle>
+            <a:defPPr>
+              <a:defRPr lang="en-US"/>
+            </a:defPPr>
+            <a:lvl1pPr algn="r">
+              <a:defRPr sz="1400">
+                <a:solidFill>
+                  <a:srgbClr val="0070C0"/>
+                </a:solidFill>
+              </a:defRPr>
+            </a:lvl1pPr>
+          </a:lstStyle>
+          <a:p>
+            <a:r>
+              <a:rPr lang="en-US" sz="1200" dirty="0">
+                <a:solidFill>
+                  <a:srgbClr val="7030A0"/>
+                </a:solidFill>
+              </a:rPr>
+              <a:t>resetData(ReadOnlyTrackedDataList)</a:t>
+            </a:r>
+            <a:endParaRPr lang="en-US" sz="1200" dirty="0"/>
+          </a:p>
+        </p:txBody>
+      </p:sp>
+      <p:cxnSp>
+        <p:nvCxnSpPr>
+          <p:cNvPr id="72" name="Straight Connector 71">
+            <a:extLst>
+              <a:ext uri="{FF2B5EF4-FFF2-40B4-BE49-F238E27FC236}">
+                <a16:creationId xmlns:a16="http://schemas.microsoft.com/office/drawing/2014/main" id="{CB0B3A53-7C5C-43F9-B2C0-9B5F5A020FEC}"/>
+              </a:ext>
+            </a:extLst>
+          </p:cNvPr>
+          <p:cNvCxnSpPr>
+            <a:cxnSpLocks/>
+          </p:cNvCxnSpPr>
+          <p:nvPr/>
+        </p:nvCxnSpPr>
+        <p:spPr>
+          <a:xfrm>
+            <a:off x="9305225" y="5503287"/>
+            <a:ext cx="0" cy="862444"/>
+          </a:xfrm>
+          <a:prstGeom prst="line">
+            <a:avLst/>
+          </a:prstGeom>
+          <a:ln w="19050">
+            <a:solidFill>
+              <a:srgbClr val="7030A0"/>
+            </a:solidFill>
+            <a:prstDash val="sysDash"/>
+          </a:ln>
+          <a:effectLst/>
+        </p:spPr>
+        <p:style>
+          <a:lnRef idx="1">
+            <a:schemeClr val="accent1"/>
+          </a:lnRef>
+          <a:fillRef idx="2">
+            <a:schemeClr val="accent1"/>
+          </a:fillRef>
+          <a:effectRef idx="1">
+            <a:schemeClr val="accent1"/>
+          </a:effectRef>
+          <a:fontRef idx="minor">
+            <a:schemeClr val="dk1"/>
+          </a:fontRef>
+        </p:style>
+      </p:cxnSp>
+      <p:sp>
+        <p:nvSpPr>
+          <p:cNvPr id="73" name="TextBox 72">
+            <a:extLst>
+              <a:ext uri="{FF2B5EF4-FFF2-40B4-BE49-F238E27FC236}">
+                <a16:creationId xmlns:a16="http://schemas.microsoft.com/office/drawing/2014/main" id="{FA0BFAF7-3D47-426F-B55C-67EEF036C397}"/>
+              </a:ext>
+            </a:extLst>
+          </p:cNvPr>
+          <p:cNvSpPr txBox="1"/>
+          <p:nvPr/>
+        </p:nvSpPr>
+        <p:spPr>
+          <a:xfrm>
+            <a:off x="7779099" y="5650822"/>
+            <a:ext cx="551687" cy="184666"/>
+          </a:xfrm>
+          <a:prstGeom prst="rect">
+            <a:avLst/>
+          </a:prstGeom>
+          <a:noFill/>
+          <a:ln>
+            <a:noFill/>
+          </a:ln>
+        </p:spPr>
+        <p:txBody>
+          <a:bodyPr wrap="square" lIns="0" tIns="0" rIns="0" bIns="0" rtlCol="0">
+            <a:spAutoFit/>
+          </a:bodyPr>
+          <a:lstStyle>
+            <a:defPPr>
+              <a:defRPr lang="en-US"/>
+            </a:defPPr>
+            <a:lvl1pPr algn="r">
+              <a:defRPr sz="1400">
+                <a:solidFill>
+                  <a:srgbClr val="0070C0"/>
+                </a:solidFill>
+              </a:defRPr>
+            </a:lvl1pPr>
+          </a:lstStyle>
+          <a:p>
+            <a:r>
+              <a:rPr lang="en-US" sz="1200" dirty="0">
+                <a:solidFill>
+                  <a:srgbClr val="7030A0"/>
+                </a:solidFill>
+              </a:rPr>
+              <a:t>undo</a:t>
+            </a:r>
+            <a:r>
+              <a:rPr lang="en-US" sz="1200" dirty="0">
+                <a:solidFill>
+                  <a:schemeClr val="accent4">
+                    <a:lumMod val="75000"/>
+                  </a:schemeClr>
+                </a:solidFill>
+              </a:rPr>
+              <a:t>()</a:t>
+            </a:r>
+          </a:p>
+        </p:txBody>
+      </p:sp>
+      <p:cxnSp>
+        <p:nvCxnSpPr>
+          <p:cNvPr id="74" name="Curved Connector 12">
+            <a:extLst>
+              <a:ext uri="{FF2B5EF4-FFF2-40B4-BE49-F238E27FC236}">
+                <a16:creationId xmlns:a16="http://schemas.microsoft.com/office/drawing/2014/main" id="{3E580BE2-A460-4EC2-8134-D6AEAF55FDBA}"/>
+              </a:ext>
+            </a:extLst>
+          </p:cNvPr>
+          <p:cNvCxnSpPr/>
+          <p:nvPr/>
+        </p:nvCxnSpPr>
+        <p:spPr>
+          <a:xfrm rot="16200000" flipH="1">
+            <a:off x="9239794" y="5887751"/>
+            <a:ext cx="156923" cy="76200"/>
+          </a:xfrm>
+          <a:prstGeom prst="curvedConnector4">
+            <a:avLst>
+              <a:gd name="adj1" fmla="val -145677"/>
+              <a:gd name="adj2" fmla="val 400000"/>
+            </a:avLst>
+          </a:prstGeom>
+          <a:ln>
+            <a:solidFill>
+              <a:srgbClr val="7030A0"/>
+            </a:solidFill>
+            <a:tailEnd type="triangle"/>
+          </a:ln>
+        </p:spPr>
+        <p:style>
+          <a:lnRef idx="1">
+            <a:schemeClr val="accent1"/>
+          </a:lnRef>
+          <a:fillRef idx="0">
+            <a:schemeClr val="accent1"/>
+          </a:fillRef>
+          <a:effectRef idx="0">
+            <a:schemeClr val="accent1"/>
+          </a:effectRef>
+          <a:fontRef idx="minor">
+            <a:schemeClr val="tx1"/>
+          </a:fontRef>
+        </p:style>
+      </p:cxnSp>
+      <p:cxnSp>
+        <p:nvCxnSpPr>
+          <p:cNvPr id="75" name="Straight Arrow Connector 74">
+            <a:extLst>
+              <a:ext uri="{FF2B5EF4-FFF2-40B4-BE49-F238E27FC236}">
+                <a16:creationId xmlns:a16="http://schemas.microsoft.com/office/drawing/2014/main" id="{EB742527-41B8-4129-91C7-B95D242B0BC6}"/>
+              </a:ext>
+            </a:extLst>
+          </p:cNvPr>
+          <p:cNvCxnSpPr>
+            <a:cxnSpLocks/>
+          </p:cNvCxnSpPr>
+          <p:nvPr/>
+        </p:nvCxnSpPr>
+        <p:spPr>
+          <a:xfrm>
+            <a:off x="7039595" y="5850011"/>
+            <a:ext cx="2186828" cy="0"/>
+          </a:xfrm>
+          <a:prstGeom prst="straightConnector1">
+            <a:avLst/>
+          </a:prstGeom>
+          <a:ln w="19050">
+            <a:solidFill>
+              <a:srgbClr val="7030A0"/>
+            </a:solidFill>
+            <a:tailEnd type="arrow"/>
+          </a:ln>
+        </p:spPr>
+        <p:style>
+          <a:lnRef idx="1">
+            <a:schemeClr val="accent1"/>
+          </a:lnRef>
+          <a:fillRef idx="0">
+            <a:schemeClr val="accent1"/>
+          </a:fillRef>
+          <a:effectRef idx="0">
+            <a:schemeClr val="accent1"/>
+          </a:effectRef>
+          <a:fontRef idx="minor">
+            <a:schemeClr val="tx1"/>
+          </a:fontRef>
+        </p:style>
+      </p:cxnSp>
+      <p:cxnSp>
+        <p:nvCxnSpPr>
+          <p:cNvPr id="76" name="Straight Arrow Connector 75">
+            <a:extLst>
+              <a:ext uri="{FF2B5EF4-FFF2-40B4-BE49-F238E27FC236}">
+                <a16:creationId xmlns:a16="http://schemas.microsoft.com/office/drawing/2014/main" id="{86BFDBDB-86A6-458C-93F6-132DEE62FCEB}"/>
+              </a:ext>
+            </a:extLst>
+          </p:cNvPr>
+          <p:cNvCxnSpPr>
+            <a:cxnSpLocks/>
+          </p:cNvCxnSpPr>
+          <p:nvPr/>
+        </p:nvCxnSpPr>
+        <p:spPr>
+          <a:xfrm>
+            <a:off x="7010555" y="6216400"/>
+            <a:ext cx="2215868" cy="15687"/>
+          </a:xfrm>
+          <a:prstGeom prst="straightConnector1">
+            <a:avLst/>
+          </a:prstGeom>
+          <a:ln w="19050">
+            <a:solidFill>
+              <a:srgbClr val="7030A0"/>
+            </a:solidFill>
+            <a:prstDash val="sysDash"/>
+            <a:headEnd type="arrow" w="med" len="med"/>
+            <a:tailEnd type="none" w="med" len="med"/>
+          </a:ln>
+        </p:spPr>
+        <p:style>
+          <a:lnRef idx="1">
+            <a:schemeClr val="accent1"/>
+          </a:lnRef>
+          <a:fillRef idx="0">
+            <a:schemeClr val="accent1"/>
+          </a:fillRef>
+          <a:effectRef idx="0">
+            <a:schemeClr val="accent1"/>
+          </a:effectRef>
+          <a:fontRef idx="minor">
+            <a:schemeClr val="tx1"/>
+          </a:fontRef>
+        </p:style>
+      </p:cxnSp>
     </p:spTree>
+    <p:extLst>
+      <p:ext uri="{BB962C8B-B14F-4D97-AF65-F5344CB8AC3E}">
+        <p14:creationId xmlns:p14="http://schemas.microsoft.com/office/powerpoint/2010/main" val="3945898909"/>
+      </p:ext>
+    </p:extLst>
   </p:cSld>
   <p:clrMapOvr>
     <a:masterClrMapping/>
@@ -5292,11 +6449,8 @@
       </a:bgFillStyleLst>
     </a:fmtScheme>
   </a:themeElements>
-  <a:extLst>
-    <a:ext uri="{05A4C25C-085E-4340-85A3-A5531E510DB2}">
-      <thm15:themeFamily xmlns:thm15="http://schemas.microsoft.com/office/thememl/2012/main" name="Office Theme" id="{62F939B6-93AF-4DB8-9C6B-D6C7DFDC589F}" vid="{4A3C46E8-61CC-4603-A589-7422A47A8E4A}"/>
-    </a:ext>
-  </a:extLst>
+  <a:objectDefaults/>
+  <a:extraClrSchemeLst/>
 </a:theme>
 </file>
 
@@ -5580,10 +6734,7 @@
       </a:bgFillStyleLst>
     </a:fmtScheme>
   </a:themeElements>
-  <a:extLst>
-    <a:ext uri="{05A4C25C-085E-4340-85A3-A5531E510DB2}">
-      <thm15:themeFamily xmlns:thm15="http://schemas.microsoft.com/office/thememl/2012/main" name="Office Theme" id="{62F939B6-93AF-4DB8-9C6B-D6C7DFDC589F}" vid="{4A3C46E8-61CC-4603-A589-7422A47A8E4A}"/>
-    </a:ext>
-  </a:extLst>
+  <a:objectDefaults/>
+  <a:extraClrSchemeLst/>
 </a:theme>
 </file>